--- a/docpac_24240223/Weekly Review.pptx
+++ b/docpac_24240223/Weekly Review.pptx
@@ -16,8 +16,11 @@
     <p:sldId id="281" r:id="rId10"/>
     <p:sldId id="282" r:id="rId11"/>
     <p:sldId id="284" r:id="rId12"/>
-    <p:sldId id="265" r:id="rId13"/>
-    <p:sldId id="275" r:id="rId14"/>
+    <p:sldId id="285" r:id="rId13"/>
+    <p:sldId id="286" r:id="rId14"/>
+    <p:sldId id="287" r:id="rId15"/>
+    <p:sldId id="265" r:id="rId16"/>
+    <p:sldId id="275" r:id="rId17"/>
   </p:sldIdLst>
   <p:sldSz cx="12192000" cy="6858000"/>
   <p:notesSz cx="6858000" cy="9144000"/>
@@ -534,7 +537,7 @@
           <a:p>
             <a:fld id="{5FE97E66-812A-4864-A707-4D377C761408}" type="datetimeFigureOut">
               <a:rPr lang="en-US" smtClean="0"/>
-              <a:t>2/20/2023</a:t>
+              <a:t>2/21/2023</a:t>
             </a:fld>
             <a:endParaRPr lang="en-US"/>
           </a:p>
@@ -732,7 +735,7 @@
           <a:p>
             <a:fld id="{5FE97E66-812A-4864-A707-4D377C761408}" type="datetimeFigureOut">
               <a:rPr lang="en-US" smtClean="0"/>
-              <a:t>2/20/2023</a:t>
+              <a:t>2/21/2023</a:t>
             </a:fld>
             <a:endParaRPr lang="en-US"/>
           </a:p>
@@ -940,7 +943,7 @@
           <a:p>
             <a:fld id="{5FE97E66-812A-4864-A707-4D377C761408}" type="datetimeFigureOut">
               <a:rPr lang="en-US" smtClean="0"/>
-              <a:t>2/20/2023</a:t>
+              <a:t>2/21/2023</a:t>
             </a:fld>
             <a:endParaRPr lang="en-US"/>
           </a:p>
@@ -1138,7 +1141,7 @@
           <a:p>
             <a:fld id="{5FE97E66-812A-4864-A707-4D377C761408}" type="datetimeFigureOut">
               <a:rPr lang="en-US" smtClean="0"/>
-              <a:t>2/20/2023</a:t>
+              <a:t>2/21/2023</a:t>
             </a:fld>
             <a:endParaRPr lang="en-US"/>
           </a:p>
@@ -1413,7 +1416,7 @@
           <a:p>
             <a:fld id="{5FE97E66-812A-4864-A707-4D377C761408}" type="datetimeFigureOut">
               <a:rPr lang="en-US" smtClean="0"/>
-              <a:t>2/20/2023</a:t>
+              <a:t>2/21/2023</a:t>
             </a:fld>
             <a:endParaRPr lang="en-US"/>
           </a:p>
@@ -1678,7 +1681,7 @@
           <a:p>
             <a:fld id="{5FE97E66-812A-4864-A707-4D377C761408}" type="datetimeFigureOut">
               <a:rPr lang="en-US" smtClean="0"/>
-              <a:t>2/20/2023</a:t>
+              <a:t>2/21/2023</a:t>
             </a:fld>
             <a:endParaRPr lang="en-US"/>
           </a:p>
@@ -2090,7 +2093,7 @@
           <a:p>
             <a:fld id="{5FE97E66-812A-4864-A707-4D377C761408}" type="datetimeFigureOut">
               <a:rPr lang="en-US" smtClean="0"/>
-              <a:t>2/20/2023</a:t>
+              <a:t>2/21/2023</a:t>
             </a:fld>
             <a:endParaRPr lang="en-US"/>
           </a:p>
@@ -2231,7 +2234,7 @@
           <a:p>
             <a:fld id="{5FE97E66-812A-4864-A707-4D377C761408}" type="datetimeFigureOut">
               <a:rPr lang="en-US" smtClean="0"/>
-              <a:t>2/20/2023</a:t>
+              <a:t>2/21/2023</a:t>
             </a:fld>
             <a:endParaRPr lang="en-US"/>
           </a:p>
@@ -2344,7 +2347,7 @@
           <a:p>
             <a:fld id="{5FE97E66-812A-4864-A707-4D377C761408}" type="datetimeFigureOut">
               <a:rPr lang="en-US" smtClean="0"/>
-              <a:t>2/20/2023</a:t>
+              <a:t>2/21/2023</a:t>
             </a:fld>
             <a:endParaRPr lang="en-US"/>
           </a:p>
@@ -2655,7 +2658,7 @@
           <a:p>
             <a:fld id="{5FE97E66-812A-4864-A707-4D377C761408}" type="datetimeFigureOut">
               <a:rPr lang="en-US" smtClean="0"/>
-              <a:t>2/20/2023</a:t>
+              <a:t>2/21/2023</a:t>
             </a:fld>
             <a:endParaRPr lang="en-US"/>
           </a:p>
@@ -2943,7 +2946,7 @@
           <a:p>
             <a:fld id="{5FE97E66-812A-4864-A707-4D377C761408}" type="datetimeFigureOut">
               <a:rPr lang="en-US" smtClean="0"/>
-              <a:t>2/20/2023</a:t>
+              <a:t>2/21/2023</a:t>
             </a:fld>
             <a:endParaRPr lang="en-US"/>
           </a:p>
@@ -3184,7 +3187,7 @@
           <a:p>
             <a:fld id="{5FE97E66-812A-4864-A707-4D377C761408}" type="datetimeFigureOut">
               <a:rPr lang="en-US" smtClean="0"/>
-              <a:t>2/20/2023</a:t>
+              <a:t>2/21/2023</a:t>
             </a:fld>
             <a:endParaRPr lang="en-US"/>
           </a:p>
@@ -5891,7 +5894,7 @@
           <p:cNvPr id="2" name="Title 1">
             <a:extLst>
               <a:ext uri="{FF2B5EF4-FFF2-40B4-BE49-F238E27FC236}">
-                <a16:creationId xmlns:a16="http://schemas.microsoft.com/office/drawing/2014/main" id="{D8A007DE-64F1-498B-BB5C-EE0FC11B39B7}"/>
+                <a16:creationId xmlns:a16="http://schemas.microsoft.com/office/drawing/2014/main" id="{38B0D4B5-965C-4B6A-A10B-8374187BCD13}"/>
               </a:ext>
             </a:extLst>
           </p:cNvPr>
@@ -5908,9 +5911,10 @@
           <a:lstStyle/>
           <a:p>
             <a:r>
-              <a:rPr lang="en-US" dirty="0"/>
-              <a:t>This week / Loose Ends</a:t>
-            </a:r>
+              <a:rPr lang="en-US" dirty="0" err="1"/>
+              <a:t>OnlyPogs</a:t>
+            </a:r>
+            <a:endParaRPr lang="en-US" dirty="0"/>
           </a:p>
         </p:txBody>
       </p:sp>
@@ -5919,7 +5923,7 @@
           <p:cNvPr id="3" name="Content Placeholder 2">
             <a:extLst>
               <a:ext uri="{FF2B5EF4-FFF2-40B4-BE49-F238E27FC236}">
-                <a16:creationId xmlns:a16="http://schemas.microsoft.com/office/drawing/2014/main" id="{45EC885E-E553-4463-BA3B-228F45C073F1}"/>
+                <a16:creationId xmlns:a16="http://schemas.microsoft.com/office/drawing/2014/main" id="{00E4682E-253B-4CAB-B1FC-B374963F4DD9}"/>
               </a:ext>
             </a:extLst>
           </p:cNvPr>
@@ -5932,28 +5936,29 @@
         </p:nvSpPr>
         <p:spPr/>
         <p:txBody>
-          <a:bodyPr>
-            <a:normAutofit/>
-          </a:bodyPr>
+          <a:bodyPr/>
           <a:lstStyle/>
           <a:p>
             <a:r>
-              <a:rPr lang="en-US" dirty="0"/>
-              <a:t>I would say Read the DocPac, but honestly nobody is bothering.</a:t>
-            </a:r>
-          </a:p>
-          <a:p>
-            <a:pPr lvl="1"/>
-            <a:r>
-              <a:rPr lang="en-US" dirty="0"/>
-              <a:t>The DocPac date was wrong the entire time, and out of 26 people, nobody said a word.</a:t>
-            </a:r>
-          </a:p>
-          <a:p>
-            <a:pPr lvl="1"/>
-            <a:r>
-              <a:rPr lang="en-US" dirty="0"/>
-              <a:t>Many people didn’t follow the instructions on assignments.</a:t>
+              <a:rPr lang="en-US" dirty="0">
+                <a:hlinkClick r:id="rId2"/>
+              </a:rPr>
+              <a:t>http://192.168.10.21:1024</a:t>
+            </a:r>
+            <a:endParaRPr lang="en-US" dirty="0"/>
+          </a:p>
+          <a:p>
+            <a:r>
+              <a:rPr lang="en-US" dirty="0"/>
+              <a:t>Jason Lara, </a:t>
+            </a:r>
+            <a:r>
+              <a:rPr lang="en-US" dirty="0" err="1"/>
+              <a:t>Jaysin</a:t>
+            </a:r>
+            <a:r>
+              <a:rPr lang="en-US" dirty="0"/>
+              <a:t> Haugh, and Logan Hiller</a:t>
             </a:r>
           </a:p>
         </p:txBody>
@@ -5961,7 +5966,503 @@
     </p:spTree>
     <p:extLst>
       <p:ext uri="{BB962C8B-B14F-4D97-AF65-F5344CB8AC3E}">
-        <p14:creationId xmlns:p14="http://schemas.microsoft.com/office/powerpoint/2010/main" val="3186301414"/>
+        <p14:creationId xmlns:p14="http://schemas.microsoft.com/office/powerpoint/2010/main" val="3490642235"/>
+      </p:ext>
+    </p:extLst>
+  </p:cSld>
+  <p:clrMapOvr>
+    <a:masterClrMapping/>
+  </p:clrMapOvr>
+  <p:timing>
+    <p:tnLst>
+      <p:par>
+        <p:cTn id="1" dur="indefinite" restart="never" nodeType="tmRoot">
+          <p:childTnLst>
+            <p:seq concurrent="1" nextAc="seek">
+              <p:cTn id="2" dur="indefinite" nodeType="mainSeq">
+                <p:childTnLst>
+                  <p:par>
+                    <p:cTn id="3" fill="hold">
+                      <p:stCondLst>
+                        <p:cond delay="indefinite"/>
+                      </p:stCondLst>
+                      <p:childTnLst>
+                        <p:par>
+                          <p:cTn id="4" fill="hold">
+                            <p:stCondLst>
+                              <p:cond delay="0"/>
+                            </p:stCondLst>
+                            <p:childTnLst>
+                              <p:par>
+                                <p:cTn id="5" presetID="1" presetClass="entr" presetSubtype="0" fill="hold" grpId="0" nodeType="clickEffect">
+                                  <p:stCondLst>
+                                    <p:cond delay="0"/>
+                                  </p:stCondLst>
+                                  <p:childTnLst>
+                                    <p:set>
+                                      <p:cBhvr>
+                                        <p:cTn id="6" dur="1" fill="hold">
+                                          <p:stCondLst>
+                                            <p:cond delay="0"/>
+                                          </p:stCondLst>
+                                        </p:cTn>
+                                        <p:tgtEl>
+                                          <p:spTgt spid="3">
+                                            <p:txEl>
+                                              <p:pRg st="0" end="0"/>
+                                            </p:txEl>
+                                          </p:spTgt>
+                                        </p:tgtEl>
+                                        <p:attrNameLst>
+                                          <p:attrName>style.visibility</p:attrName>
+                                        </p:attrNameLst>
+                                      </p:cBhvr>
+                                      <p:to>
+                                        <p:strVal val="visible"/>
+                                      </p:to>
+                                    </p:set>
+                                  </p:childTnLst>
+                                </p:cTn>
+                              </p:par>
+                            </p:childTnLst>
+                          </p:cTn>
+                        </p:par>
+                      </p:childTnLst>
+                    </p:cTn>
+                  </p:par>
+                  <p:par>
+                    <p:cTn id="7" fill="hold">
+                      <p:stCondLst>
+                        <p:cond delay="indefinite"/>
+                      </p:stCondLst>
+                      <p:childTnLst>
+                        <p:par>
+                          <p:cTn id="8" fill="hold">
+                            <p:stCondLst>
+                              <p:cond delay="0"/>
+                            </p:stCondLst>
+                            <p:childTnLst>
+                              <p:par>
+                                <p:cTn id="9" presetID="1" presetClass="entr" presetSubtype="0" fill="hold" grpId="0" nodeType="clickEffect">
+                                  <p:stCondLst>
+                                    <p:cond delay="0"/>
+                                  </p:stCondLst>
+                                  <p:childTnLst>
+                                    <p:set>
+                                      <p:cBhvr>
+                                        <p:cTn id="10" dur="1" fill="hold">
+                                          <p:stCondLst>
+                                            <p:cond delay="0"/>
+                                          </p:stCondLst>
+                                        </p:cTn>
+                                        <p:tgtEl>
+                                          <p:spTgt spid="3">
+                                            <p:txEl>
+                                              <p:pRg st="1" end="1"/>
+                                            </p:txEl>
+                                          </p:spTgt>
+                                        </p:tgtEl>
+                                        <p:attrNameLst>
+                                          <p:attrName>style.visibility</p:attrName>
+                                        </p:attrNameLst>
+                                      </p:cBhvr>
+                                      <p:to>
+                                        <p:strVal val="visible"/>
+                                      </p:to>
+                                    </p:set>
+                                  </p:childTnLst>
+                                </p:cTn>
+                              </p:par>
+                            </p:childTnLst>
+                          </p:cTn>
+                        </p:par>
+                      </p:childTnLst>
+                    </p:cTn>
+                  </p:par>
+                </p:childTnLst>
+              </p:cTn>
+              <p:prevCondLst>
+                <p:cond evt="onPrev" delay="0">
+                  <p:tgtEl>
+                    <p:sldTgt/>
+                  </p:tgtEl>
+                </p:cond>
+              </p:prevCondLst>
+              <p:nextCondLst>
+                <p:cond evt="onNext" delay="0">
+                  <p:tgtEl>
+                    <p:sldTgt/>
+                  </p:tgtEl>
+                </p:cond>
+              </p:nextCondLst>
+            </p:seq>
+          </p:childTnLst>
+        </p:cTn>
+      </p:par>
+    </p:tnLst>
+    <p:bldLst>
+      <p:bldP spid="3" grpId="0" build="p"/>
+    </p:bldLst>
+  </p:timing>
+</p:sld>
+</file>
+
+<file path=ppt/slides/slide13.xml><?xml version="1.0" encoding="utf-8"?>
+<p:sld xmlns:a="http://schemas.openxmlformats.org/drawingml/2006/main" xmlns:r="http://schemas.openxmlformats.org/officeDocument/2006/relationships" xmlns:p="http://schemas.openxmlformats.org/presentationml/2006/main">
+  <p:cSld>
+    <p:spTree>
+      <p:nvGrpSpPr>
+        <p:cNvPr id="1" name=""/>
+        <p:cNvGrpSpPr/>
+        <p:nvPr/>
+      </p:nvGrpSpPr>
+      <p:grpSpPr>
+        <a:xfrm>
+          <a:off x="0" y="0"/>
+          <a:ext cx="0" cy="0"/>
+          <a:chOff x="0" y="0"/>
+          <a:chExt cx="0" cy="0"/>
+        </a:xfrm>
+      </p:grpSpPr>
+      <p:sp>
+        <p:nvSpPr>
+          <p:cNvPr id="2" name="Title 1">
+            <a:extLst>
+              <a:ext uri="{FF2B5EF4-FFF2-40B4-BE49-F238E27FC236}">
+                <a16:creationId xmlns:a16="http://schemas.microsoft.com/office/drawing/2014/main" id="{381C1A01-6139-4605-9805-8D700608CA3D}"/>
+              </a:ext>
+            </a:extLst>
+          </p:cNvPr>
+          <p:cNvSpPr>
+            <a:spLocks noGrp="1"/>
+          </p:cNvSpPr>
+          <p:nvPr>
+            <p:ph type="title"/>
+          </p:nvPr>
+        </p:nvSpPr>
+        <p:spPr/>
+        <p:txBody>
+          <a:bodyPr/>
+          <a:lstStyle/>
+          <a:p>
+            <a:r>
+              <a:rPr lang="en-US" dirty="0"/>
+              <a:t>Formbar.js</a:t>
+            </a:r>
+          </a:p>
+        </p:txBody>
+      </p:sp>
+      <p:sp>
+        <p:nvSpPr>
+          <p:cNvPr id="3" name="Content Placeholder 2">
+            <a:extLst>
+              <a:ext uri="{FF2B5EF4-FFF2-40B4-BE49-F238E27FC236}">
+                <a16:creationId xmlns:a16="http://schemas.microsoft.com/office/drawing/2014/main" id="{B34A0956-A6E1-4C9C-8737-1ACAFC4E6E46}"/>
+              </a:ext>
+            </a:extLst>
+          </p:cNvPr>
+          <p:cNvSpPr>
+            <a:spLocks noGrp="1"/>
+          </p:cNvSpPr>
+          <p:nvPr>
+            <p:ph idx="1"/>
+          </p:nvPr>
+        </p:nvSpPr>
+        <p:spPr/>
+        <p:txBody>
+          <a:bodyPr/>
+          <a:lstStyle/>
+          <a:p>
+            <a:r>
+              <a:rPr lang="en-US" dirty="0"/>
+              <a:t>No deployment yet, but testing will come soon.</a:t>
+            </a:r>
+          </a:p>
+          <a:p>
+            <a:r>
+              <a:rPr lang="en-US" dirty="0"/>
+              <a:t>Ethan Shimmel, Riley Royer</a:t>
+            </a:r>
+          </a:p>
+        </p:txBody>
+      </p:sp>
+    </p:spTree>
+    <p:extLst>
+      <p:ext uri="{BB962C8B-B14F-4D97-AF65-F5344CB8AC3E}">
+        <p14:creationId xmlns:p14="http://schemas.microsoft.com/office/powerpoint/2010/main" val="4126302188"/>
+      </p:ext>
+    </p:extLst>
+  </p:cSld>
+  <p:clrMapOvr>
+    <a:masterClrMapping/>
+  </p:clrMapOvr>
+  <p:timing>
+    <p:tnLst>
+      <p:par>
+        <p:cTn id="1" dur="indefinite" restart="never" nodeType="tmRoot">
+          <p:childTnLst>
+            <p:seq concurrent="1" nextAc="seek">
+              <p:cTn id="2" dur="indefinite" nodeType="mainSeq">
+                <p:childTnLst>
+                  <p:par>
+                    <p:cTn id="3" fill="hold">
+                      <p:stCondLst>
+                        <p:cond delay="indefinite"/>
+                      </p:stCondLst>
+                      <p:childTnLst>
+                        <p:par>
+                          <p:cTn id="4" fill="hold">
+                            <p:stCondLst>
+                              <p:cond delay="0"/>
+                            </p:stCondLst>
+                            <p:childTnLst>
+                              <p:par>
+                                <p:cTn id="5" presetID="1" presetClass="entr" presetSubtype="0" fill="hold" grpId="0" nodeType="clickEffect">
+                                  <p:stCondLst>
+                                    <p:cond delay="0"/>
+                                  </p:stCondLst>
+                                  <p:childTnLst>
+                                    <p:set>
+                                      <p:cBhvr>
+                                        <p:cTn id="6" dur="1" fill="hold">
+                                          <p:stCondLst>
+                                            <p:cond delay="0"/>
+                                          </p:stCondLst>
+                                        </p:cTn>
+                                        <p:tgtEl>
+                                          <p:spTgt spid="3">
+                                            <p:txEl>
+                                              <p:pRg st="0" end="0"/>
+                                            </p:txEl>
+                                          </p:spTgt>
+                                        </p:tgtEl>
+                                        <p:attrNameLst>
+                                          <p:attrName>style.visibility</p:attrName>
+                                        </p:attrNameLst>
+                                      </p:cBhvr>
+                                      <p:to>
+                                        <p:strVal val="visible"/>
+                                      </p:to>
+                                    </p:set>
+                                  </p:childTnLst>
+                                </p:cTn>
+                              </p:par>
+                            </p:childTnLst>
+                          </p:cTn>
+                        </p:par>
+                      </p:childTnLst>
+                    </p:cTn>
+                  </p:par>
+                  <p:par>
+                    <p:cTn id="7" fill="hold">
+                      <p:stCondLst>
+                        <p:cond delay="indefinite"/>
+                      </p:stCondLst>
+                      <p:childTnLst>
+                        <p:par>
+                          <p:cTn id="8" fill="hold">
+                            <p:stCondLst>
+                              <p:cond delay="0"/>
+                            </p:stCondLst>
+                            <p:childTnLst>
+                              <p:par>
+                                <p:cTn id="9" presetID="1" presetClass="entr" presetSubtype="0" fill="hold" grpId="0" nodeType="clickEffect">
+                                  <p:stCondLst>
+                                    <p:cond delay="0"/>
+                                  </p:stCondLst>
+                                  <p:childTnLst>
+                                    <p:set>
+                                      <p:cBhvr>
+                                        <p:cTn id="10" dur="1" fill="hold">
+                                          <p:stCondLst>
+                                            <p:cond delay="0"/>
+                                          </p:stCondLst>
+                                        </p:cTn>
+                                        <p:tgtEl>
+                                          <p:spTgt spid="3">
+                                            <p:txEl>
+                                              <p:pRg st="1" end="1"/>
+                                            </p:txEl>
+                                          </p:spTgt>
+                                        </p:tgtEl>
+                                        <p:attrNameLst>
+                                          <p:attrName>style.visibility</p:attrName>
+                                        </p:attrNameLst>
+                                      </p:cBhvr>
+                                      <p:to>
+                                        <p:strVal val="visible"/>
+                                      </p:to>
+                                    </p:set>
+                                  </p:childTnLst>
+                                </p:cTn>
+                              </p:par>
+                            </p:childTnLst>
+                          </p:cTn>
+                        </p:par>
+                      </p:childTnLst>
+                    </p:cTn>
+                  </p:par>
+                </p:childTnLst>
+              </p:cTn>
+              <p:prevCondLst>
+                <p:cond evt="onPrev" delay="0">
+                  <p:tgtEl>
+                    <p:sldTgt/>
+                  </p:tgtEl>
+                </p:cond>
+              </p:prevCondLst>
+              <p:nextCondLst>
+                <p:cond evt="onNext" delay="0">
+                  <p:tgtEl>
+                    <p:sldTgt/>
+                  </p:tgtEl>
+                </p:cond>
+              </p:nextCondLst>
+            </p:seq>
+          </p:childTnLst>
+        </p:cTn>
+      </p:par>
+    </p:tnLst>
+    <p:bldLst>
+      <p:bldP spid="3" grpId="0" build="p"/>
+    </p:bldLst>
+  </p:timing>
+</p:sld>
+</file>
+
+<file path=ppt/slides/slide14.xml><?xml version="1.0" encoding="utf-8"?>
+<p:sld xmlns:a="http://schemas.openxmlformats.org/drawingml/2006/main" xmlns:r="http://schemas.openxmlformats.org/officeDocument/2006/relationships" xmlns:p="http://schemas.openxmlformats.org/presentationml/2006/main">
+  <p:cSld>
+    <p:spTree>
+      <p:nvGrpSpPr>
+        <p:cNvPr id="1" name=""/>
+        <p:cNvGrpSpPr/>
+        <p:nvPr/>
+      </p:nvGrpSpPr>
+      <p:grpSpPr>
+        <a:xfrm>
+          <a:off x="0" y="0"/>
+          <a:ext cx="0" cy="0"/>
+          <a:chOff x="0" y="0"/>
+          <a:chExt cx="0" cy="0"/>
+        </a:xfrm>
+      </p:grpSpPr>
+      <p:sp>
+        <p:nvSpPr>
+          <p:cNvPr id="2" name="Title 1">
+            <a:extLst>
+              <a:ext uri="{FF2B5EF4-FFF2-40B4-BE49-F238E27FC236}">
+                <a16:creationId xmlns:a16="http://schemas.microsoft.com/office/drawing/2014/main" id="{4169180E-3BB2-4F47-945C-B637F55EE359}"/>
+              </a:ext>
+            </a:extLst>
+          </p:cNvPr>
+          <p:cNvSpPr>
+            <a:spLocks noGrp="1"/>
+          </p:cNvSpPr>
+          <p:nvPr>
+            <p:ph type="title"/>
+          </p:nvPr>
+        </p:nvSpPr>
+        <p:spPr/>
+        <p:txBody>
+          <a:bodyPr/>
+          <a:lstStyle/>
+          <a:p>
+            <a:r>
+              <a:rPr lang="en-US" dirty="0"/>
+              <a:t>Other projects</a:t>
+            </a:r>
+          </a:p>
+        </p:txBody>
+      </p:sp>
+      <p:sp>
+        <p:nvSpPr>
+          <p:cNvPr id="3" name="Content Placeholder 2">
+            <a:extLst>
+              <a:ext uri="{FF2B5EF4-FFF2-40B4-BE49-F238E27FC236}">
+                <a16:creationId xmlns:a16="http://schemas.microsoft.com/office/drawing/2014/main" id="{91BBF20A-2FD1-4080-BF00-29249619A152}"/>
+              </a:ext>
+            </a:extLst>
+          </p:cNvPr>
+          <p:cNvSpPr>
+            <a:spLocks noGrp="1"/>
+          </p:cNvSpPr>
+          <p:nvPr>
+            <p:ph idx="1"/>
+          </p:nvPr>
+        </p:nvSpPr>
+        <p:spPr/>
+        <p:txBody>
+          <a:bodyPr/>
+          <a:lstStyle/>
+          <a:p>
+            <a:r>
+              <a:rPr lang="en-US" dirty="0" err="1"/>
+              <a:t>Gaidos</a:t>
+            </a:r>
+            <a:r>
+              <a:rPr lang="en-US" dirty="0"/>
+              <a:t> Bank</a:t>
+            </a:r>
+          </a:p>
+          <a:p>
+            <a:pPr lvl="1"/>
+            <a:r>
+              <a:rPr lang="en-US" dirty="0"/>
+              <a:t>I’m not sure why this is even being worked on, as Ryan Stevenson already had it 90% done.</a:t>
+            </a:r>
+          </a:p>
+          <a:p>
+            <a:r>
+              <a:rPr lang="en-US" dirty="0"/>
+              <a:t>New Site Proposal</a:t>
+            </a:r>
+          </a:p>
+          <a:p>
+            <a:pPr lvl="1"/>
+            <a:r>
+              <a:rPr lang="en-US" dirty="0"/>
+              <a:t>Is making progress, but is in danger of “infinite tweaking” and subjective goals.</a:t>
+            </a:r>
+          </a:p>
+          <a:p>
+            <a:r>
+              <a:rPr lang="en-US" dirty="0" err="1"/>
+              <a:t>Dudescanner</a:t>
+            </a:r>
+            <a:endParaRPr lang="en-US" dirty="0"/>
+          </a:p>
+          <a:p>
+            <a:pPr lvl="1"/>
+            <a:r>
+              <a:rPr lang="en-US" dirty="0"/>
+              <a:t>This project has been passed around the entire class.</a:t>
+            </a:r>
+          </a:p>
+          <a:p>
+            <a:pPr lvl="1"/>
+            <a:r>
+              <a:rPr lang="en-US" dirty="0"/>
+              <a:t>Combines old “Caught” and “</a:t>
+            </a:r>
+            <a:r>
+              <a:rPr lang="en-US" dirty="0" err="1"/>
+              <a:t>Ypass</a:t>
+            </a:r>
+            <a:r>
+              <a:rPr lang="en-US" dirty="0"/>
+              <a:t>” ideas/projects.</a:t>
+            </a:r>
+          </a:p>
+          <a:p>
+            <a:endParaRPr lang="en-US" dirty="0"/>
+          </a:p>
+        </p:txBody>
+      </p:sp>
+    </p:spTree>
+    <p:extLst>
+      <p:ext uri="{BB962C8B-B14F-4D97-AF65-F5344CB8AC3E}">
+        <p14:creationId xmlns:p14="http://schemas.microsoft.com/office/powerpoint/2010/main" val="3965081920"/>
       </p:ext>
     </p:extLst>
   </p:cSld>
@@ -6050,15 +6551,33 @@
                                   </p:childTnLst>
                                 </p:cTn>
                               </p:par>
+                            </p:childTnLst>
+                          </p:cTn>
+                        </p:par>
+                      </p:childTnLst>
+                    </p:cTn>
+                  </p:par>
+                  <p:par>
+                    <p:cTn id="9" fill="hold">
+                      <p:stCondLst>
+                        <p:cond delay="indefinite"/>
+                      </p:stCondLst>
+                      <p:childTnLst>
+                        <p:par>
+                          <p:cTn id="10" fill="hold">
+                            <p:stCondLst>
+                              <p:cond delay="0"/>
+                            </p:stCondLst>
+                            <p:childTnLst>
                               <p:par>
-                                <p:cTn id="9" presetID="1" presetClass="entr" presetSubtype="0" fill="hold" grpId="0" nodeType="withEffect">
+                                <p:cTn id="11" presetID="1" presetClass="entr" presetSubtype="0" fill="hold" grpId="0" nodeType="clickEffect">
                                   <p:stCondLst>
                                     <p:cond delay="0"/>
                                   </p:stCondLst>
                                   <p:childTnLst>
                                     <p:set>
                                       <p:cBhvr>
-                                        <p:cTn id="10" dur="1" fill="hold">
+                                        <p:cTn id="12" dur="1" fill="hold">
                                           <p:stCondLst>
                                             <p:cond delay="0"/>
                                           </p:stCondLst>
@@ -6067,6 +6586,148 @@
                                           <p:spTgt spid="3">
                                             <p:txEl>
                                               <p:pRg st="2" end="2"/>
+                                            </p:txEl>
+                                          </p:spTgt>
+                                        </p:tgtEl>
+                                        <p:attrNameLst>
+                                          <p:attrName>style.visibility</p:attrName>
+                                        </p:attrNameLst>
+                                      </p:cBhvr>
+                                      <p:to>
+                                        <p:strVal val="visible"/>
+                                      </p:to>
+                                    </p:set>
+                                  </p:childTnLst>
+                                </p:cTn>
+                              </p:par>
+                              <p:par>
+                                <p:cTn id="13" presetID="1" presetClass="entr" presetSubtype="0" fill="hold" grpId="0" nodeType="withEffect">
+                                  <p:stCondLst>
+                                    <p:cond delay="0"/>
+                                  </p:stCondLst>
+                                  <p:childTnLst>
+                                    <p:set>
+                                      <p:cBhvr>
+                                        <p:cTn id="14" dur="1" fill="hold">
+                                          <p:stCondLst>
+                                            <p:cond delay="0"/>
+                                          </p:stCondLst>
+                                        </p:cTn>
+                                        <p:tgtEl>
+                                          <p:spTgt spid="3">
+                                            <p:txEl>
+                                              <p:pRg st="3" end="3"/>
+                                            </p:txEl>
+                                          </p:spTgt>
+                                        </p:tgtEl>
+                                        <p:attrNameLst>
+                                          <p:attrName>style.visibility</p:attrName>
+                                        </p:attrNameLst>
+                                      </p:cBhvr>
+                                      <p:to>
+                                        <p:strVal val="visible"/>
+                                      </p:to>
+                                    </p:set>
+                                  </p:childTnLst>
+                                </p:cTn>
+                              </p:par>
+                            </p:childTnLst>
+                          </p:cTn>
+                        </p:par>
+                      </p:childTnLst>
+                    </p:cTn>
+                  </p:par>
+                  <p:par>
+                    <p:cTn id="15" fill="hold">
+                      <p:stCondLst>
+                        <p:cond delay="indefinite"/>
+                      </p:stCondLst>
+                      <p:childTnLst>
+                        <p:par>
+                          <p:cTn id="16" fill="hold">
+                            <p:stCondLst>
+                              <p:cond delay="0"/>
+                            </p:stCondLst>
+                            <p:childTnLst>
+                              <p:par>
+                                <p:cTn id="17" presetID="1" presetClass="entr" presetSubtype="0" fill="hold" grpId="0" nodeType="clickEffect">
+                                  <p:stCondLst>
+                                    <p:cond delay="0"/>
+                                  </p:stCondLst>
+                                  <p:childTnLst>
+                                    <p:set>
+                                      <p:cBhvr>
+                                        <p:cTn id="18" dur="1" fill="hold">
+                                          <p:stCondLst>
+                                            <p:cond delay="0"/>
+                                          </p:stCondLst>
+                                        </p:cTn>
+                                        <p:tgtEl>
+                                          <p:spTgt spid="3">
+                                            <p:txEl>
+                                              <p:pRg st="4" end="4"/>
+                                            </p:txEl>
+                                          </p:spTgt>
+                                        </p:tgtEl>
+                                        <p:attrNameLst>
+                                          <p:attrName>style.visibility</p:attrName>
+                                        </p:attrNameLst>
+                                      </p:cBhvr>
+                                      <p:to>
+                                        <p:strVal val="visible"/>
+                                      </p:to>
+                                    </p:set>
+                                  </p:childTnLst>
+                                </p:cTn>
+                              </p:par>
+                              <p:par>
+                                <p:cTn id="19" presetID="1" presetClass="entr" presetSubtype="0" fill="hold" grpId="0" nodeType="withEffect">
+                                  <p:stCondLst>
+                                    <p:cond delay="0"/>
+                                  </p:stCondLst>
+                                  <p:childTnLst>
+                                    <p:set>
+                                      <p:cBhvr>
+                                        <p:cTn id="20" dur="1" fill="hold">
+                                          <p:stCondLst>
+                                            <p:cond delay="0"/>
+                                          </p:stCondLst>
+                                        </p:cTn>
+                                        <p:tgtEl>
+                                          <p:spTgt spid="3">
+                                            <p:txEl>
+                                              <p:pRg st="5" end="5"/>
+                                            </p:txEl>
+                                          </p:spTgt>
+                                        </p:tgtEl>
+                                        <p:attrNameLst>
+                                          <p:attrName>style.visibility</p:attrName>
+                                        </p:attrNameLst>
+                                      </p:cBhvr>
+                                      <p:to>
+                                        <p:strVal val="visible"/>
+                                      </p:to>
+                                    </p:set>
+                                  </p:childTnLst>
+                                </p:cTn>
+                              </p:par>
+                              <p:par>
+                                <p:cTn id="21" presetID="1" presetClass="entr" presetSubtype="0" fill="hold" grpId="0" nodeType="withEffect">
+                                  <p:stCondLst>
+                                    <p:cond delay="0"/>
+                                  </p:stCondLst>
+                                  <p:childTnLst>
+                                    <p:set>
+                                      <p:cBhvr>
+                                        <p:cTn id="22" dur="1" fill="hold">
+                                          <p:stCondLst>
+                                            <p:cond delay="0"/>
+                                          </p:stCondLst>
+                                        </p:cTn>
+                                        <p:tgtEl>
+                                          <p:spTgt spid="3">
+                                            <p:txEl>
+                                              <p:pRg st="6" end="6"/>
                                             </p:txEl>
                                           </p:spTgt>
                                         </p:tgtEl>
@@ -6115,7 +6776,400 @@
 </p:sld>
 </file>
 
-<file path=ppt/slides/slide13.xml><?xml version="1.0" encoding="utf-8"?>
+<file path=ppt/slides/slide15.xml><?xml version="1.0" encoding="utf-8"?>
+<p:sld xmlns:a="http://schemas.openxmlformats.org/drawingml/2006/main" xmlns:r="http://schemas.openxmlformats.org/officeDocument/2006/relationships" xmlns:p="http://schemas.openxmlformats.org/presentationml/2006/main">
+  <p:cSld>
+    <p:spTree>
+      <p:nvGrpSpPr>
+        <p:cNvPr id="1" name=""/>
+        <p:cNvGrpSpPr/>
+        <p:nvPr/>
+      </p:nvGrpSpPr>
+      <p:grpSpPr>
+        <a:xfrm>
+          <a:off x="0" y="0"/>
+          <a:ext cx="0" cy="0"/>
+          <a:chOff x="0" y="0"/>
+          <a:chExt cx="0" cy="0"/>
+        </a:xfrm>
+      </p:grpSpPr>
+      <p:sp>
+        <p:nvSpPr>
+          <p:cNvPr id="2" name="Title 1">
+            <a:extLst>
+              <a:ext uri="{FF2B5EF4-FFF2-40B4-BE49-F238E27FC236}">
+                <a16:creationId xmlns:a16="http://schemas.microsoft.com/office/drawing/2014/main" id="{D8A007DE-64F1-498B-BB5C-EE0FC11B39B7}"/>
+              </a:ext>
+            </a:extLst>
+          </p:cNvPr>
+          <p:cNvSpPr>
+            <a:spLocks noGrp="1"/>
+          </p:cNvSpPr>
+          <p:nvPr>
+            <p:ph type="title"/>
+          </p:nvPr>
+        </p:nvSpPr>
+        <p:spPr/>
+        <p:txBody>
+          <a:bodyPr/>
+          <a:lstStyle/>
+          <a:p>
+            <a:r>
+              <a:rPr lang="en-US" dirty="0"/>
+              <a:t>This week / Loose Ends</a:t>
+            </a:r>
+          </a:p>
+        </p:txBody>
+      </p:sp>
+      <p:sp>
+        <p:nvSpPr>
+          <p:cNvPr id="3" name="Content Placeholder 2">
+            <a:extLst>
+              <a:ext uri="{FF2B5EF4-FFF2-40B4-BE49-F238E27FC236}">
+                <a16:creationId xmlns:a16="http://schemas.microsoft.com/office/drawing/2014/main" id="{45EC885E-E553-4463-BA3B-228F45C073F1}"/>
+              </a:ext>
+            </a:extLst>
+          </p:cNvPr>
+          <p:cNvSpPr>
+            <a:spLocks noGrp="1"/>
+          </p:cNvSpPr>
+          <p:nvPr>
+            <p:ph idx="1"/>
+          </p:nvPr>
+        </p:nvSpPr>
+        <p:spPr/>
+        <p:txBody>
+          <a:bodyPr>
+            <a:normAutofit/>
+          </a:bodyPr>
+          <a:lstStyle/>
+          <a:p>
+            <a:r>
+              <a:rPr lang="en-US" dirty="0"/>
+              <a:t>I would say Read the DocPac, but honestly, at this point…?</a:t>
+            </a:r>
+          </a:p>
+          <a:p>
+            <a:pPr lvl="1"/>
+            <a:r>
+              <a:rPr lang="en-US" dirty="0"/>
+              <a:t>The DocPac date was wrong the entire time, and out of 26 people, nobody said a word.</a:t>
+            </a:r>
+          </a:p>
+          <a:p>
+            <a:pPr lvl="1"/>
+            <a:r>
+              <a:rPr lang="en-US" dirty="0"/>
+              <a:t>The DocPac file had the wrong name, and still nobody said a word.</a:t>
+            </a:r>
+          </a:p>
+          <a:p>
+            <a:pPr lvl="1"/>
+            <a:r>
+              <a:rPr lang="en-US" dirty="0"/>
+              <a:t>Many people didn’t follow the instructions on assignments.</a:t>
+            </a:r>
+          </a:p>
+          <a:p>
+            <a:r>
+              <a:rPr lang="en-US" dirty="0"/>
+              <a:t>The DocPac WILL change this week as I add Junior assignments.</a:t>
+            </a:r>
+          </a:p>
+        </p:txBody>
+      </p:sp>
+    </p:spTree>
+    <p:extLst>
+      <p:ext uri="{BB962C8B-B14F-4D97-AF65-F5344CB8AC3E}">
+        <p14:creationId xmlns:p14="http://schemas.microsoft.com/office/powerpoint/2010/main" val="3186301414"/>
+      </p:ext>
+    </p:extLst>
+  </p:cSld>
+  <p:clrMapOvr>
+    <a:masterClrMapping/>
+  </p:clrMapOvr>
+  <p:timing>
+    <p:tnLst>
+      <p:par>
+        <p:cTn id="1" dur="indefinite" restart="never" nodeType="tmRoot">
+          <p:childTnLst>
+            <p:seq concurrent="1" nextAc="seek">
+              <p:cTn id="2" dur="indefinite" nodeType="mainSeq">
+                <p:childTnLst>
+                  <p:par>
+                    <p:cTn id="3" fill="hold">
+                      <p:stCondLst>
+                        <p:cond delay="indefinite"/>
+                      </p:stCondLst>
+                      <p:childTnLst>
+                        <p:par>
+                          <p:cTn id="4" fill="hold">
+                            <p:stCondLst>
+                              <p:cond delay="0"/>
+                            </p:stCondLst>
+                            <p:childTnLst>
+                              <p:par>
+                                <p:cTn id="5" presetID="1" presetClass="entr" presetSubtype="0" fill="hold" grpId="0" nodeType="clickEffect">
+                                  <p:stCondLst>
+                                    <p:cond delay="0"/>
+                                  </p:stCondLst>
+                                  <p:childTnLst>
+                                    <p:set>
+                                      <p:cBhvr>
+                                        <p:cTn id="6" dur="1" fill="hold">
+                                          <p:stCondLst>
+                                            <p:cond delay="0"/>
+                                          </p:stCondLst>
+                                        </p:cTn>
+                                        <p:tgtEl>
+                                          <p:spTgt spid="3">
+                                            <p:txEl>
+                                              <p:pRg st="0" end="0"/>
+                                            </p:txEl>
+                                          </p:spTgt>
+                                        </p:tgtEl>
+                                        <p:attrNameLst>
+                                          <p:attrName>style.visibility</p:attrName>
+                                        </p:attrNameLst>
+                                      </p:cBhvr>
+                                      <p:to>
+                                        <p:strVal val="visible"/>
+                                      </p:to>
+                                    </p:set>
+                                  </p:childTnLst>
+                                </p:cTn>
+                              </p:par>
+                            </p:childTnLst>
+                          </p:cTn>
+                        </p:par>
+                      </p:childTnLst>
+                    </p:cTn>
+                  </p:par>
+                  <p:par>
+                    <p:cTn id="7" fill="hold">
+                      <p:stCondLst>
+                        <p:cond delay="indefinite"/>
+                      </p:stCondLst>
+                      <p:childTnLst>
+                        <p:par>
+                          <p:cTn id="8" fill="hold">
+                            <p:stCondLst>
+                              <p:cond delay="0"/>
+                            </p:stCondLst>
+                            <p:childTnLst>
+                              <p:par>
+                                <p:cTn id="9" presetID="1" presetClass="entr" presetSubtype="0" fill="hold" grpId="0" nodeType="clickEffect">
+                                  <p:stCondLst>
+                                    <p:cond delay="0"/>
+                                  </p:stCondLst>
+                                  <p:childTnLst>
+                                    <p:set>
+                                      <p:cBhvr>
+                                        <p:cTn id="10" dur="1" fill="hold">
+                                          <p:stCondLst>
+                                            <p:cond delay="0"/>
+                                          </p:stCondLst>
+                                        </p:cTn>
+                                        <p:tgtEl>
+                                          <p:spTgt spid="3">
+                                            <p:txEl>
+                                              <p:pRg st="1" end="1"/>
+                                            </p:txEl>
+                                          </p:spTgt>
+                                        </p:tgtEl>
+                                        <p:attrNameLst>
+                                          <p:attrName>style.visibility</p:attrName>
+                                        </p:attrNameLst>
+                                      </p:cBhvr>
+                                      <p:to>
+                                        <p:strVal val="visible"/>
+                                      </p:to>
+                                    </p:set>
+                                  </p:childTnLst>
+                                </p:cTn>
+                              </p:par>
+                            </p:childTnLst>
+                          </p:cTn>
+                        </p:par>
+                      </p:childTnLst>
+                    </p:cTn>
+                  </p:par>
+                  <p:par>
+                    <p:cTn id="11" fill="hold">
+                      <p:stCondLst>
+                        <p:cond delay="indefinite"/>
+                      </p:stCondLst>
+                      <p:childTnLst>
+                        <p:par>
+                          <p:cTn id="12" fill="hold">
+                            <p:stCondLst>
+                              <p:cond delay="0"/>
+                            </p:stCondLst>
+                            <p:childTnLst>
+                              <p:par>
+                                <p:cTn id="13" presetID="1" presetClass="entr" presetSubtype="0" fill="hold" grpId="0" nodeType="clickEffect">
+                                  <p:stCondLst>
+                                    <p:cond delay="0"/>
+                                  </p:stCondLst>
+                                  <p:childTnLst>
+                                    <p:set>
+                                      <p:cBhvr>
+                                        <p:cTn id="14" dur="1" fill="hold">
+                                          <p:stCondLst>
+                                            <p:cond delay="0"/>
+                                          </p:stCondLst>
+                                        </p:cTn>
+                                        <p:tgtEl>
+                                          <p:spTgt spid="3">
+                                            <p:txEl>
+                                              <p:pRg st="2" end="2"/>
+                                            </p:txEl>
+                                          </p:spTgt>
+                                        </p:tgtEl>
+                                        <p:attrNameLst>
+                                          <p:attrName>style.visibility</p:attrName>
+                                        </p:attrNameLst>
+                                      </p:cBhvr>
+                                      <p:to>
+                                        <p:strVal val="visible"/>
+                                      </p:to>
+                                    </p:set>
+                                  </p:childTnLst>
+                                </p:cTn>
+                              </p:par>
+                            </p:childTnLst>
+                          </p:cTn>
+                        </p:par>
+                      </p:childTnLst>
+                    </p:cTn>
+                  </p:par>
+                  <p:par>
+                    <p:cTn id="15" fill="hold">
+                      <p:stCondLst>
+                        <p:cond delay="indefinite"/>
+                      </p:stCondLst>
+                      <p:childTnLst>
+                        <p:par>
+                          <p:cTn id="16" fill="hold">
+                            <p:stCondLst>
+                              <p:cond delay="0"/>
+                            </p:stCondLst>
+                            <p:childTnLst>
+                              <p:par>
+                                <p:cTn id="17" presetID="1" presetClass="entr" presetSubtype="0" fill="hold" grpId="0" nodeType="clickEffect">
+                                  <p:stCondLst>
+                                    <p:cond delay="0"/>
+                                  </p:stCondLst>
+                                  <p:childTnLst>
+                                    <p:set>
+                                      <p:cBhvr>
+                                        <p:cTn id="18" dur="1" fill="hold">
+                                          <p:stCondLst>
+                                            <p:cond delay="0"/>
+                                          </p:stCondLst>
+                                        </p:cTn>
+                                        <p:tgtEl>
+                                          <p:spTgt spid="3">
+                                            <p:txEl>
+                                              <p:pRg st="3" end="3"/>
+                                            </p:txEl>
+                                          </p:spTgt>
+                                        </p:tgtEl>
+                                        <p:attrNameLst>
+                                          <p:attrName>style.visibility</p:attrName>
+                                        </p:attrNameLst>
+                                      </p:cBhvr>
+                                      <p:to>
+                                        <p:strVal val="visible"/>
+                                      </p:to>
+                                    </p:set>
+                                  </p:childTnLst>
+                                </p:cTn>
+                              </p:par>
+                            </p:childTnLst>
+                          </p:cTn>
+                        </p:par>
+                      </p:childTnLst>
+                    </p:cTn>
+                  </p:par>
+                  <p:par>
+                    <p:cTn id="19" fill="hold">
+                      <p:stCondLst>
+                        <p:cond delay="indefinite"/>
+                      </p:stCondLst>
+                      <p:childTnLst>
+                        <p:par>
+                          <p:cTn id="20" fill="hold">
+                            <p:stCondLst>
+                              <p:cond delay="0"/>
+                            </p:stCondLst>
+                            <p:childTnLst>
+                              <p:par>
+                                <p:cTn id="21" presetID="1" presetClass="entr" presetSubtype="0" fill="hold" grpId="0" nodeType="clickEffect">
+                                  <p:stCondLst>
+                                    <p:cond delay="0"/>
+                                  </p:stCondLst>
+                                  <p:childTnLst>
+                                    <p:set>
+                                      <p:cBhvr>
+                                        <p:cTn id="22" dur="1" fill="hold">
+                                          <p:stCondLst>
+                                            <p:cond delay="0"/>
+                                          </p:stCondLst>
+                                        </p:cTn>
+                                        <p:tgtEl>
+                                          <p:spTgt spid="3">
+                                            <p:txEl>
+                                              <p:pRg st="4" end="4"/>
+                                            </p:txEl>
+                                          </p:spTgt>
+                                        </p:tgtEl>
+                                        <p:attrNameLst>
+                                          <p:attrName>style.visibility</p:attrName>
+                                        </p:attrNameLst>
+                                      </p:cBhvr>
+                                      <p:to>
+                                        <p:strVal val="visible"/>
+                                      </p:to>
+                                    </p:set>
+                                  </p:childTnLst>
+                                </p:cTn>
+                              </p:par>
+                            </p:childTnLst>
+                          </p:cTn>
+                        </p:par>
+                      </p:childTnLst>
+                    </p:cTn>
+                  </p:par>
+                </p:childTnLst>
+              </p:cTn>
+              <p:prevCondLst>
+                <p:cond evt="onPrev" delay="0">
+                  <p:tgtEl>
+                    <p:sldTgt/>
+                  </p:tgtEl>
+                </p:cond>
+              </p:prevCondLst>
+              <p:nextCondLst>
+                <p:cond evt="onNext" delay="0">
+                  <p:tgtEl>
+                    <p:sldTgt/>
+                  </p:tgtEl>
+                </p:cond>
+              </p:nextCondLst>
+            </p:seq>
+          </p:childTnLst>
+        </p:cTn>
+      </p:par>
+    </p:tnLst>
+    <p:bldLst>
+      <p:bldP spid="3" grpId="0" build="p"/>
+    </p:bldLst>
+  </p:timing>
+</p:sld>
+</file>
+
+<file path=ppt/slides/slide16.xml><?xml version="1.0" encoding="utf-8"?>
 <p:sld xmlns:a="http://schemas.openxmlformats.org/drawingml/2006/main" xmlns:r="http://schemas.openxmlformats.org/officeDocument/2006/relationships" xmlns:p="http://schemas.openxmlformats.org/presentationml/2006/main">
   <p:cSld>
     <p:spTree>
@@ -7224,15 +8278,33 @@
                                   </p:childTnLst>
                                 </p:cTn>
                               </p:par>
+                            </p:childTnLst>
+                          </p:cTn>
+                        </p:par>
+                      </p:childTnLst>
+                    </p:cTn>
+                  </p:par>
+                  <p:par>
+                    <p:cTn id="7" fill="hold">
+                      <p:stCondLst>
+                        <p:cond delay="indefinite"/>
+                      </p:stCondLst>
+                      <p:childTnLst>
+                        <p:par>
+                          <p:cTn id="8" fill="hold">
+                            <p:stCondLst>
+                              <p:cond delay="0"/>
+                            </p:stCondLst>
+                            <p:childTnLst>
                               <p:par>
-                                <p:cTn id="7" presetID="1" presetClass="entr" presetSubtype="0" fill="hold" grpId="0" nodeType="withEffect">
+                                <p:cTn id="9" presetID="1" presetClass="entr" presetSubtype="0" fill="hold" grpId="0" nodeType="clickEffect">
                                   <p:stCondLst>
                                     <p:cond delay="0"/>
                                   </p:stCondLst>
                                   <p:childTnLst>
                                     <p:set>
                                       <p:cBhvr>
-                                        <p:cTn id="8" dur="1" fill="hold">
+                                        <p:cTn id="10" dur="1" fill="hold">
                                           <p:stCondLst>
                                             <p:cond delay="0"/>
                                           </p:stCondLst>
@@ -7255,15 +8327,33 @@
                                   </p:childTnLst>
                                 </p:cTn>
                               </p:par>
+                            </p:childTnLst>
+                          </p:cTn>
+                        </p:par>
+                      </p:childTnLst>
+                    </p:cTn>
+                  </p:par>
+                  <p:par>
+                    <p:cTn id="11" fill="hold">
+                      <p:stCondLst>
+                        <p:cond delay="indefinite"/>
+                      </p:stCondLst>
+                      <p:childTnLst>
+                        <p:par>
+                          <p:cTn id="12" fill="hold">
+                            <p:stCondLst>
+                              <p:cond delay="0"/>
+                            </p:stCondLst>
+                            <p:childTnLst>
                               <p:par>
-                                <p:cTn id="9" presetID="1" presetClass="entr" presetSubtype="0" fill="hold" grpId="0" nodeType="withEffect">
+                                <p:cTn id="13" presetID="1" presetClass="entr" presetSubtype="0" fill="hold" grpId="0" nodeType="clickEffect">
                                   <p:stCondLst>
                                     <p:cond delay="0"/>
                                   </p:stCondLst>
                                   <p:childTnLst>
                                     <p:set>
                                       <p:cBhvr>
-                                        <p:cTn id="10" dur="1" fill="hold">
+                                        <p:cTn id="14" dur="1" fill="hold">
                                           <p:stCondLst>
                                             <p:cond delay="0"/>
                                           </p:stCondLst>
@@ -7286,15 +8376,33 @@
                                   </p:childTnLst>
                                 </p:cTn>
                               </p:par>
+                            </p:childTnLst>
+                          </p:cTn>
+                        </p:par>
+                      </p:childTnLst>
+                    </p:cTn>
+                  </p:par>
+                  <p:par>
+                    <p:cTn id="15" fill="hold">
+                      <p:stCondLst>
+                        <p:cond delay="indefinite"/>
+                      </p:stCondLst>
+                      <p:childTnLst>
+                        <p:par>
+                          <p:cTn id="16" fill="hold">
+                            <p:stCondLst>
+                              <p:cond delay="0"/>
+                            </p:stCondLst>
+                            <p:childTnLst>
                               <p:par>
-                                <p:cTn id="11" presetID="1" presetClass="entr" presetSubtype="0" fill="hold" grpId="0" nodeType="withEffect">
+                                <p:cTn id="17" presetID="1" presetClass="entr" presetSubtype="0" fill="hold" grpId="0" nodeType="clickEffect">
                                   <p:stCondLst>
                                     <p:cond delay="0"/>
                                   </p:stCondLst>
                                   <p:childTnLst>
                                     <p:set>
                                       <p:cBhvr>
-                                        <p:cTn id="12" dur="1" fill="hold">
+                                        <p:cTn id="18" dur="1" fill="hold">
                                           <p:stCondLst>
                                             <p:cond delay="0"/>
                                           </p:stCondLst>
@@ -7324,26 +8432,26 @@
                     </p:cTn>
                   </p:par>
                   <p:par>
-                    <p:cTn id="13" fill="hold">
+                    <p:cTn id="19" fill="hold">
                       <p:stCondLst>
                         <p:cond delay="indefinite"/>
                       </p:stCondLst>
                       <p:childTnLst>
                         <p:par>
-                          <p:cTn id="14" fill="hold">
+                          <p:cTn id="20" fill="hold">
                             <p:stCondLst>
                               <p:cond delay="0"/>
                             </p:stCondLst>
                             <p:childTnLst>
                               <p:par>
-                                <p:cTn id="15" presetID="1" presetClass="entr" presetSubtype="0" fill="hold" grpId="0" nodeType="clickEffect">
+                                <p:cTn id="21" presetID="1" presetClass="entr" presetSubtype="0" fill="hold" grpId="0" nodeType="clickEffect">
                                   <p:stCondLst>
                                     <p:cond delay="0"/>
                                   </p:stCondLst>
                                   <p:childTnLst>
                                     <p:set>
                                       <p:cBhvr>
-                                        <p:cTn id="16" dur="1" fill="hold">
+                                        <p:cTn id="22" dur="1" fill="hold">
                                           <p:stCondLst>
                                             <p:cond delay="0"/>
                                           </p:stCondLst>
@@ -7366,15 +8474,33 @@
                                   </p:childTnLst>
                                 </p:cTn>
                               </p:par>
+                            </p:childTnLst>
+                          </p:cTn>
+                        </p:par>
+                      </p:childTnLst>
+                    </p:cTn>
+                  </p:par>
+                  <p:par>
+                    <p:cTn id="23" fill="hold">
+                      <p:stCondLst>
+                        <p:cond delay="indefinite"/>
+                      </p:stCondLst>
+                      <p:childTnLst>
+                        <p:par>
+                          <p:cTn id="24" fill="hold">
+                            <p:stCondLst>
+                              <p:cond delay="0"/>
+                            </p:stCondLst>
+                            <p:childTnLst>
                               <p:par>
-                                <p:cTn id="17" presetID="1" presetClass="entr" presetSubtype="0" fill="hold" grpId="0" nodeType="withEffect">
+                                <p:cTn id="25" presetID="1" presetClass="entr" presetSubtype="0" fill="hold" grpId="0" nodeType="clickEffect">
                                   <p:stCondLst>
                                     <p:cond delay="0"/>
                                   </p:stCondLst>
                                   <p:childTnLst>
                                     <p:set>
                                       <p:cBhvr>
-                                        <p:cTn id="18" dur="1" fill="hold">
+                                        <p:cTn id="26" dur="1" fill="hold">
                                           <p:stCondLst>
                                             <p:cond delay="0"/>
                                           </p:stCondLst>
@@ -7397,15 +8523,33 @@
                                   </p:childTnLst>
                                 </p:cTn>
                               </p:par>
+                            </p:childTnLst>
+                          </p:cTn>
+                        </p:par>
+                      </p:childTnLst>
+                    </p:cTn>
+                  </p:par>
+                  <p:par>
+                    <p:cTn id="27" fill="hold">
+                      <p:stCondLst>
+                        <p:cond delay="indefinite"/>
+                      </p:stCondLst>
+                      <p:childTnLst>
+                        <p:par>
+                          <p:cTn id="28" fill="hold">
+                            <p:stCondLst>
+                              <p:cond delay="0"/>
+                            </p:stCondLst>
+                            <p:childTnLst>
                               <p:par>
-                                <p:cTn id="19" presetID="1" presetClass="entr" presetSubtype="0" fill="hold" grpId="0" nodeType="withEffect">
+                                <p:cTn id="29" presetID="1" presetClass="entr" presetSubtype="0" fill="hold" grpId="0" nodeType="clickEffect">
                                   <p:stCondLst>
                                     <p:cond delay="0"/>
                                   </p:stCondLst>
                                   <p:childTnLst>
                                     <p:set>
                                       <p:cBhvr>
-                                        <p:cTn id="20" dur="1" fill="hold">
+                                        <p:cTn id="30" dur="1" fill="hold">
                                           <p:stCondLst>
                                             <p:cond delay="0"/>
                                           </p:stCondLst>
@@ -7435,26 +8579,26 @@
                     </p:cTn>
                   </p:par>
                   <p:par>
-                    <p:cTn id="21" fill="hold">
+                    <p:cTn id="31" fill="hold">
                       <p:stCondLst>
                         <p:cond delay="indefinite"/>
                       </p:stCondLst>
                       <p:childTnLst>
                         <p:par>
-                          <p:cTn id="22" fill="hold">
+                          <p:cTn id="32" fill="hold">
                             <p:stCondLst>
                               <p:cond delay="0"/>
                             </p:stCondLst>
                             <p:childTnLst>
                               <p:par>
-                                <p:cTn id="23" presetID="1" presetClass="entr" presetSubtype="0" fill="hold" grpId="0" nodeType="clickEffect">
+                                <p:cTn id="33" presetID="1" presetClass="entr" presetSubtype="0" fill="hold" grpId="0" nodeType="clickEffect">
                                   <p:stCondLst>
                                     <p:cond delay="0"/>
                                   </p:stCondLst>
                                   <p:childTnLst>
                                     <p:set>
                                       <p:cBhvr>
-                                        <p:cTn id="24" dur="1" fill="hold">
+                                        <p:cTn id="34" dur="1" fill="hold">
                                           <p:stCondLst>
                                             <p:cond delay="0"/>
                                           </p:stCondLst>
@@ -7477,15 +8621,33 @@
                                   </p:childTnLst>
                                 </p:cTn>
                               </p:par>
+                            </p:childTnLst>
+                          </p:cTn>
+                        </p:par>
+                      </p:childTnLst>
+                    </p:cTn>
+                  </p:par>
+                  <p:par>
+                    <p:cTn id="35" fill="hold">
+                      <p:stCondLst>
+                        <p:cond delay="indefinite"/>
+                      </p:stCondLst>
+                      <p:childTnLst>
+                        <p:par>
+                          <p:cTn id="36" fill="hold">
+                            <p:stCondLst>
+                              <p:cond delay="0"/>
+                            </p:stCondLst>
+                            <p:childTnLst>
                               <p:par>
-                                <p:cTn id="25" presetID="1" presetClass="entr" presetSubtype="0" fill="hold" grpId="0" nodeType="withEffect">
+                                <p:cTn id="37" presetID="1" presetClass="entr" presetSubtype="0" fill="hold" grpId="0" nodeType="clickEffect">
                                   <p:stCondLst>
                                     <p:cond delay="0"/>
                                   </p:stCondLst>
                                   <p:childTnLst>
                                     <p:set>
                                       <p:cBhvr>
-                                        <p:cTn id="26" dur="1" fill="hold">
+                                        <p:cTn id="38" dur="1" fill="hold">
                                           <p:stCondLst>
                                             <p:cond delay="0"/>
                                           </p:stCondLst>
@@ -7536,7 +8698,7 @@
       </p:par>
     </p:tnLst>
     <p:bldLst>
-      <p:bldP spid="3" grpId="0" build="p"/>
+      <p:bldP spid="3" grpId="0" uiExpand="1" build="p"/>
     </p:bldLst>
   </p:timing>
 </p:sld>
@@ -7660,6 +8822,13 @@
             <a:r>
               <a:rPr lang="en-US" dirty="0"/>
               <a:t> what Teams is for</a:t>
+            </a:r>
+          </a:p>
+          <a:p>
+            <a:pPr lvl="2"/>
+            <a:r>
+              <a:rPr lang="en-US" dirty="0"/>
+              <a:t>Practice “working remote”, call a meeting, or </a:t>
             </a:r>
           </a:p>
         </p:txBody>
@@ -7725,15 +8894,33 @@
                                   </p:childTnLst>
                                 </p:cTn>
                               </p:par>
+                            </p:childTnLst>
+                          </p:cTn>
+                        </p:par>
+                      </p:childTnLst>
+                    </p:cTn>
+                  </p:par>
+                  <p:par>
+                    <p:cTn id="7" fill="hold">
+                      <p:stCondLst>
+                        <p:cond delay="indefinite"/>
+                      </p:stCondLst>
+                      <p:childTnLst>
+                        <p:par>
+                          <p:cTn id="8" fill="hold">
+                            <p:stCondLst>
+                              <p:cond delay="0"/>
+                            </p:stCondLst>
+                            <p:childTnLst>
                               <p:par>
-                                <p:cTn id="7" presetID="1" presetClass="entr" presetSubtype="0" fill="hold" grpId="0" nodeType="withEffect">
+                                <p:cTn id="9" presetID="1" presetClass="entr" presetSubtype="0" fill="hold" grpId="0" nodeType="clickEffect">
                                   <p:stCondLst>
                                     <p:cond delay="0"/>
                                   </p:stCondLst>
                                   <p:childTnLst>
                                     <p:set>
                                       <p:cBhvr>
-                                        <p:cTn id="8" dur="1" fill="hold">
+                                        <p:cTn id="10" dur="1" fill="hold">
                                           <p:stCondLst>
                                             <p:cond delay="0"/>
                                           </p:stCondLst>
@@ -7763,26 +8950,26 @@
                     </p:cTn>
                   </p:par>
                   <p:par>
-                    <p:cTn id="9" fill="hold">
+                    <p:cTn id="11" fill="hold">
                       <p:stCondLst>
                         <p:cond delay="indefinite"/>
                       </p:stCondLst>
                       <p:childTnLst>
                         <p:par>
-                          <p:cTn id="10" fill="hold">
+                          <p:cTn id="12" fill="hold">
                             <p:stCondLst>
                               <p:cond delay="0"/>
                             </p:stCondLst>
                             <p:childTnLst>
                               <p:par>
-                                <p:cTn id="11" presetID="1" presetClass="entr" presetSubtype="0" fill="hold" grpId="0" nodeType="clickEffect">
+                                <p:cTn id="13" presetID="1" presetClass="entr" presetSubtype="0" fill="hold" grpId="0" nodeType="clickEffect">
                                   <p:stCondLst>
                                     <p:cond delay="0"/>
                                   </p:stCondLst>
                                   <p:childTnLst>
                                     <p:set>
                                       <p:cBhvr>
-                                        <p:cTn id="12" dur="1" fill="hold">
+                                        <p:cTn id="14" dur="1" fill="hold">
                                           <p:stCondLst>
                                             <p:cond delay="0"/>
                                           </p:stCondLst>
@@ -7805,15 +8992,33 @@
                                   </p:childTnLst>
                                 </p:cTn>
                               </p:par>
+                            </p:childTnLst>
+                          </p:cTn>
+                        </p:par>
+                      </p:childTnLst>
+                    </p:cTn>
+                  </p:par>
+                  <p:par>
+                    <p:cTn id="15" fill="hold">
+                      <p:stCondLst>
+                        <p:cond delay="indefinite"/>
+                      </p:stCondLst>
+                      <p:childTnLst>
+                        <p:par>
+                          <p:cTn id="16" fill="hold">
+                            <p:stCondLst>
+                              <p:cond delay="0"/>
+                            </p:stCondLst>
+                            <p:childTnLst>
                               <p:par>
-                                <p:cTn id="13" presetID="1" presetClass="entr" presetSubtype="0" fill="hold" grpId="0" nodeType="withEffect">
+                                <p:cTn id="17" presetID="1" presetClass="entr" presetSubtype="0" fill="hold" grpId="0" nodeType="clickEffect">
                                   <p:stCondLst>
                                     <p:cond delay="0"/>
                                   </p:stCondLst>
                                   <p:childTnLst>
                                     <p:set>
                                       <p:cBhvr>
-                                        <p:cTn id="14" dur="1" fill="hold">
+                                        <p:cTn id="18" dur="1" fill="hold">
                                           <p:stCondLst>
                                             <p:cond delay="0"/>
                                           </p:stCondLst>
@@ -7836,15 +9041,33 @@
                                   </p:childTnLst>
                                 </p:cTn>
                               </p:par>
+                            </p:childTnLst>
+                          </p:cTn>
+                        </p:par>
+                      </p:childTnLst>
+                    </p:cTn>
+                  </p:par>
+                  <p:par>
+                    <p:cTn id="19" fill="hold">
+                      <p:stCondLst>
+                        <p:cond delay="indefinite"/>
+                      </p:stCondLst>
+                      <p:childTnLst>
+                        <p:par>
+                          <p:cTn id="20" fill="hold">
+                            <p:stCondLst>
+                              <p:cond delay="0"/>
+                            </p:stCondLst>
+                            <p:childTnLst>
                               <p:par>
-                                <p:cTn id="15" presetID="1" presetClass="entr" presetSubtype="0" fill="hold" grpId="0" nodeType="withEffect">
+                                <p:cTn id="21" presetID="1" presetClass="entr" presetSubtype="0" fill="hold" grpId="0" nodeType="clickEffect">
                                   <p:stCondLst>
                                     <p:cond delay="0"/>
                                   </p:stCondLst>
                                   <p:childTnLst>
                                     <p:set>
                                       <p:cBhvr>
-                                        <p:cTn id="16" dur="1" fill="hold">
+                                        <p:cTn id="22" dur="1" fill="hold">
                                           <p:stCondLst>
                                             <p:cond delay="0"/>
                                           </p:stCondLst>
@@ -7867,15 +9090,33 @@
                                   </p:childTnLst>
                                 </p:cTn>
                               </p:par>
+                            </p:childTnLst>
+                          </p:cTn>
+                        </p:par>
+                      </p:childTnLst>
+                    </p:cTn>
+                  </p:par>
+                  <p:par>
+                    <p:cTn id="23" fill="hold">
+                      <p:stCondLst>
+                        <p:cond delay="indefinite"/>
+                      </p:stCondLst>
+                      <p:childTnLst>
+                        <p:par>
+                          <p:cTn id="24" fill="hold">
+                            <p:stCondLst>
+                              <p:cond delay="0"/>
+                            </p:stCondLst>
+                            <p:childTnLst>
                               <p:par>
-                                <p:cTn id="17" presetID="1" presetClass="entr" presetSubtype="0" fill="hold" grpId="0" nodeType="withEffect">
+                                <p:cTn id="25" presetID="1" presetClass="entr" presetSubtype="0" fill="hold" grpId="0" nodeType="clickEffect">
                                   <p:stCondLst>
                                     <p:cond delay="0"/>
                                   </p:stCondLst>
                                   <p:childTnLst>
                                     <p:set>
                                       <p:cBhvr>
-                                        <p:cTn id="18" dur="1" fill="hold">
+                                        <p:cTn id="26" dur="1" fill="hold">
                                           <p:stCondLst>
                                             <p:cond delay="0"/>
                                           </p:stCondLst>
@@ -7898,15 +9139,33 @@
                                   </p:childTnLst>
                                 </p:cTn>
                               </p:par>
+                            </p:childTnLst>
+                          </p:cTn>
+                        </p:par>
+                      </p:childTnLst>
+                    </p:cTn>
+                  </p:par>
+                  <p:par>
+                    <p:cTn id="27" fill="hold">
+                      <p:stCondLst>
+                        <p:cond delay="indefinite"/>
+                      </p:stCondLst>
+                      <p:childTnLst>
+                        <p:par>
+                          <p:cTn id="28" fill="hold">
+                            <p:stCondLst>
+                              <p:cond delay="0"/>
+                            </p:stCondLst>
+                            <p:childTnLst>
                               <p:par>
-                                <p:cTn id="19" presetID="1" presetClass="entr" presetSubtype="0" fill="hold" grpId="0" nodeType="withEffect">
+                                <p:cTn id="29" presetID="1" presetClass="entr" presetSubtype="0" fill="hold" grpId="0" nodeType="clickEffect">
                                   <p:stCondLst>
                                     <p:cond delay="0"/>
                                   </p:stCondLst>
                                   <p:childTnLst>
                                     <p:set>
                                       <p:cBhvr>
-                                        <p:cTn id="20" dur="1" fill="hold">
+                                        <p:cTn id="30" dur="1" fill="hold">
                                           <p:stCondLst>
                                             <p:cond delay="0"/>
                                           </p:stCondLst>
@@ -7915,6 +9174,37 @@
                                           <p:spTgt spid="3">
                                             <p:txEl>
                                               <p:pRg st="6" end="6"/>
+                                            </p:txEl>
+                                          </p:spTgt>
+                                        </p:tgtEl>
+                                        <p:attrNameLst>
+                                          <p:attrName>style.visibility</p:attrName>
+                                        </p:attrNameLst>
+                                      </p:cBhvr>
+                                      <p:to>
+                                        <p:strVal val="visible"/>
+                                      </p:to>
+                                    </p:set>
+                                  </p:childTnLst>
+                                </p:cTn>
+                              </p:par>
+                              <p:par>
+                                <p:cTn id="31" presetID="1" presetClass="entr" presetSubtype="0" fill="hold" grpId="0" nodeType="withEffect">
+                                  <p:stCondLst>
+                                    <p:cond delay="0"/>
+                                  </p:stCondLst>
+                                  <p:childTnLst>
+                                    <p:set>
+                                      <p:cBhvr>
+                                        <p:cTn id="32" dur="1" fill="hold">
+                                          <p:stCondLst>
+                                            <p:cond delay="0"/>
+                                          </p:stCondLst>
+                                        </p:cTn>
+                                        <p:tgtEl>
+                                          <p:spTgt spid="3">
+                                            <p:txEl>
+                                              <p:pRg st="7" end="7"/>
                                             </p:txEl>
                                           </p:spTgt>
                                         </p:tgtEl>
@@ -7957,7 +9247,7 @@
       </p:par>
     </p:tnLst>
     <p:bldLst>
-      <p:bldP spid="3" grpId="0" build="p"/>
+      <p:bldP spid="3" grpId="0" uiExpand="1" build="p"/>
     </p:bldLst>
   </p:timing>
 </p:sld>
@@ -8045,7 +9335,7 @@
             <a:pPr lvl="1"/>
             <a:r>
               <a:rPr lang="en-US" dirty="0"/>
-              <a:t>You are not motivated by carrots. Nobody seems to want to get “ungrounded” and you you’re perfectly fine never earning rewards again.</a:t>
+              <a:t>You are not motivated by carrots.</a:t>
             </a:r>
           </a:p>
           <a:p>
@@ -8151,39 +9441,26 @@
                                   </p:childTnLst>
                                 </p:cTn>
                               </p:par>
+                            </p:childTnLst>
+                          </p:cTn>
+                        </p:par>
+                      </p:childTnLst>
+                    </p:cTn>
+                  </p:par>
+                  <p:par>
+                    <p:cTn id="7" fill="hold">
+                      <p:stCondLst>
+                        <p:cond delay="indefinite"/>
+                      </p:stCondLst>
+                      <p:childTnLst>
+                        <p:par>
+                          <p:cTn id="8" fill="hold">
+                            <p:stCondLst>
+                              <p:cond delay="0"/>
+                            </p:stCondLst>
+                            <p:childTnLst>
                               <p:par>
-                                <p:cTn id="7" presetID="1" presetClass="entr" presetSubtype="0" fill="hold" grpId="0" nodeType="withEffect">
-                                  <p:stCondLst>
-                                    <p:cond delay="0"/>
-                                  </p:stCondLst>
-                                  <p:childTnLst>
-                                    <p:set>
-                                      <p:cBhvr>
-                                        <p:cTn id="8" dur="1" fill="hold">
-                                          <p:stCondLst>
-                                            <p:cond delay="0"/>
-                                          </p:stCondLst>
-                                        </p:cTn>
-                                        <p:tgtEl>
-                                          <p:spTgt spid="3">
-                                            <p:txEl>
-                                              <p:pRg st="1" end="1"/>
-                                            </p:txEl>
-                                          </p:spTgt>
-                                        </p:tgtEl>
-                                        <p:attrNameLst>
-                                          <p:attrName>style.visibility</p:attrName>
-                                        </p:attrNameLst>
-                                      </p:cBhvr>
-                                      <p:to>
-                                        <p:strVal val="visible"/>
-                                      </p:to>
-                                    </p:set>
-                                  </p:childTnLst>
-                                </p:cTn>
-                              </p:par>
-                              <p:par>
-                                <p:cTn id="9" presetID="1" presetClass="entr" presetSubtype="0" fill="hold" grpId="0" nodeType="withEffect">
+                                <p:cTn id="9" presetID="1" presetClass="entr" presetSubtype="0" fill="hold" grpId="0" nodeType="clickEffect">
                                   <p:stCondLst>
                                     <p:cond delay="0"/>
                                   </p:stCondLst>
@@ -8198,7 +9475,7 @@
                                         <p:tgtEl>
                                           <p:spTgt spid="3">
                                             <p:txEl>
-                                              <p:pRg st="2" end="2"/>
+                                              <p:pRg st="1" end="1"/>
                                             </p:txEl>
                                           </p:spTgt>
                                         </p:tgtEl>
@@ -8247,6 +9524,55 @@
                                         <p:tgtEl>
                                           <p:spTgt spid="3">
                                             <p:txEl>
+                                              <p:pRg st="2" end="2"/>
+                                            </p:txEl>
+                                          </p:spTgt>
+                                        </p:tgtEl>
+                                        <p:attrNameLst>
+                                          <p:attrName>style.visibility</p:attrName>
+                                        </p:attrNameLst>
+                                      </p:cBhvr>
+                                      <p:to>
+                                        <p:strVal val="visible"/>
+                                      </p:to>
+                                    </p:set>
+                                  </p:childTnLst>
+                                </p:cTn>
+                              </p:par>
+                            </p:childTnLst>
+                          </p:cTn>
+                        </p:par>
+                      </p:childTnLst>
+                    </p:cTn>
+                  </p:par>
+                  <p:par>
+                    <p:cTn id="15" fill="hold">
+                      <p:stCondLst>
+                        <p:cond delay="indefinite"/>
+                      </p:stCondLst>
+                      <p:childTnLst>
+                        <p:par>
+                          <p:cTn id="16" fill="hold">
+                            <p:stCondLst>
+                              <p:cond delay="0"/>
+                            </p:stCondLst>
+                            <p:childTnLst>
+                              <p:par>
+                                <p:cTn id="17" presetID="1" presetClass="entr" presetSubtype="0" fill="hold" grpId="0" nodeType="clickEffect">
+                                  <p:stCondLst>
+                                    <p:cond delay="0"/>
+                                  </p:stCondLst>
+                                  <p:childTnLst>
+                                    <p:set>
+                                      <p:cBhvr>
+                                        <p:cTn id="18" dur="1" fill="hold">
+                                          <p:stCondLst>
+                                            <p:cond delay="0"/>
+                                          </p:stCondLst>
+                                        </p:cTn>
+                                        <p:tgtEl>
+                                          <p:spTgt spid="3">
+                                            <p:txEl>
                                               <p:pRg st="3" end="3"/>
                                             </p:txEl>
                                           </p:spTgt>
@@ -8262,15 +9588,33 @@
                                   </p:childTnLst>
                                 </p:cTn>
                               </p:par>
+                            </p:childTnLst>
+                          </p:cTn>
+                        </p:par>
+                      </p:childTnLst>
+                    </p:cTn>
+                  </p:par>
+                  <p:par>
+                    <p:cTn id="19" fill="hold">
+                      <p:stCondLst>
+                        <p:cond delay="indefinite"/>
+                      </p:stCondLst>
+                      <p:childTnLst>
+                        <p:par>
+                          <p:cTn id="20" fill="hold">
+                            <p:stCondLst>
+                              <p:cond delay="0"/>
+                            </p:stCondLst>
+                            <p:childTnLst>
                               <p:par>
-                                <p:cTn id="15" presetID="1" presetClass="entr" presetSubtype="0" fill="hold" grpId="0" nodeType="withEffect">
+                                <p:cTn id="21" presetID="1" presetClass="entr" presetSubtype="0" fill="hold" grpId="0" nodeType="clickEffect">
                                   <p:stCondLst>
                                     <p:cond delay="0"/>
                                   </p:stCondLst>
                                   <p:childTnLst>
                                     <p:set>
                                       <p:cBhvr>
-                                        <p:cTn id="16" dur="1" fill="hold">
+                                        <p:cTn id="22" dur="1" fill="hold">
                                           <p:stCondLst>
                                             <p:cond delay="0"/>
                                           </p:stCondLst>
@@ -8293,15 +9637,33 @@
                                   </p:childTnLst>
                                 </p:cTn>
                               </p:par>
+                            </p:childTnLst>
+                          </p:cTn>
+                        </p:par>
+                      </p:childTnLst>
+                    </p:cTn>
+                  </p:par>
+                  <p:par>
+                    <p:cTn id="23" fill="hold">
+                      <p:stCondLst>
+                        <p:cond delay="indefinite"/>
+                      </p:stCondLst>
+                      <p:childTnLst>
+                        <p:par>
+                          <p:cTn id="24" fill="hold">
+                            <p:stCondLst>
+                              <p:cond delay="0"/>
+                            </p:stCondLst>
+                            <p:childTnLst>
                               <p:par>
-                                <p:cTn id="17" presetID="1" presetClass="entr" presetSubtype="0" fill="hold" grpId="0" nodeType="withEffect">
+                                <p:cTn id="25" presetID="1" presetClass="entr" presetSubtype="0" fill="hold" grpId="0" nodeType="clickEffect">
                                   <p:stCondLst>
                                     <p:cond delay="0"/>
                                   </p:stCondLst>
                                   <p:childTnLst>
                                     <p:set>
                                       <p:cBhvr>
-                                        <p:cTn id="18" dur="1" fill="hold">
+                                        <p:cTn id="26" dur="1" fill="hold">
                                           <p:stCondLst>
                                             <p:cond delay="0"/>
                                           </p:stCondLst>
@@ -8324,15 +9686,33 @@
                                   </p:childTnLst>
                                 </p:cTn>
                               </p:par>
+                            </p:childTnLst>
+                          </p:cTn>
+                        </p:par>
+                      </p:childTnLst>
+                    </p:cTn>
+                  </p:par>
+                  <p:par>
+                    <p:cTn id="27" fill="hold">
+                      <p:stCondLst>
+                        <p:cond delay="indefinite"/>
+                      </p:stCondLst>
+                      <p:childTnLst>
+                        <p:par>
+                          <p:cTn id="28" fill="hold">
+                            <p:stCondLst>
+                              <p:cond delay="0"/>
+                            </p:stCondLst>
+                            <p:childTnLst>
                               <p:par>
-                                <p:cTn id="19" presetID="1" presetClass="entr" presetSubtype="0" fill="hold" grpId="0" nodeType="withEffect">
+                                <p:cTn id="29" presetID="1" presetClass="entr" presetSubtype="0" fill="hold" grpId="0" nodeType="clickEffect">
                                   <p:stCondLst>
                                     <p:cond delay="0"/>
                                   </p:stCondLst>
                                   <p:childTnLst>
                                     <p:set>
                                       <p:cBhvr>
-                                        <p:cTn id="20" dur="1" fill="hold">
+                                        <p:cTn id="30" dur="1" fill="hold">
                                           <p:stCondLst>
                                             <p:cond delay="0"/>
                                           </p:stCondLst>
@@ -8362,26 +9742,26 @@
                     </p:cTn>
                   </p:par>
                   <p:par>
-                    <p:cTn id="21" fill="hold">
+                    <p:cTn id="31" fill="hold">
                       <p:stCondLst>
                         <p:cond delay="indefinite"/>
                       </p:stCondLst>
                       <p:childTnLst>
                         <p:par>
-                          <p:cTn id="22" fill="hold">
+                          <p:cTn id="32" fill="hold">
                             <p:stCondLst>
                               <p:cond delay="0"/>
                             </p:stCondLst>
                             <p:childTnLst>
                               <p:par>
-                                <p:cTn id="23" presetID="1" presetClass="entr" presetSubtype="0" fill="hold" grpId="0" nodeType="clickEffect">
+                                <p:cTn id="33" presetID="1" presetClass="entr" presetSubtype="0" fill="hold" grpId="0" nodeType="clickEffect">
                                   <p:stCondLst>
                                     <p:cond delay="0"/>
                                   </p:stCondLst>
                                   <p:childTnLst>
                                     <p:set>
                                       <p:cBhvr>
-                                        <p:cTn id="24" dur="1" fill="hold">
+                                        <p:cTn id="34" dur="1" fill="hold">
                                           <p:stCondLst>
                                             <p:cond delay="0"/>
                                           </p:stCondLst>
@@ -8404,15 +9784,33 @@
                                   </p:childTnLst>
                                 </p:cTn>
                               </p:par>
+                            </p:childTnLst>
+                          </p:cTn>
+                        </p:par>
+                      </p:childTnLst>
+                    </p:cTn>
+                  </p:par>
+                  <p:par>
+                    <p:cTn id="35" fill="hold">
+                      <p:stCondLst>
+                        <p:cond delay="indefinite"/>
+                      </p:stCondLst>
+                      <p:childTnLst>
+                        <p:par>
+                          <p:cTn id="36" fill="hold">
+                            <p:stCondLst>
+                              <p:cond delay="0"/>
+                            </p:stCondLst>
+                            <p:childTnLst>
                               <p:par>
-                                <p:cTn id="25" presetID="1" presetClass="entr" presetSubtype="0" fill="hold" grpId="0" nodeType="withEffect">
+                                <p:cTn id="37" presetID="1" presetClass="entr" presetSubtype="0" fill="hold" grpId="0" nodeType="clickEffect">
                                   <p:stCondLst>
                                     <p:cond delay="0"/>
                                   </p:stCondLst>
                                   <p:childTnLst>
                                     <p:set>
                                       <p:cBhvr>
-                                        <p:cTn id="26" dur="1" fill="hold">
+                                        <p:cTn id="38" dur="1" fill="hold">
                                           <p:stCondLst>
                                             <p:cond delay="0"/>
                                           </p:stCondLst>
@@ -8748,15 +10146,33 @@
                                   </p:childTnLst>
                                 </p:cTn>
                               </p:par>
+                            </p:childTnLst>
+                          </p:cTn>
+                        </p:par>
+                      </p:childTnLst>
+                    </p:cTn>
+                  </p:par>
+                  <p:par>
+                    <p:cTn id="15" fill="hold">
+                      <p:stCondLst>
+                        <p:cond delay="indefinite"/>
+                      </p:stCondLst>
+                      <p:childTnLst>
+                        <p:par>
+                          <p:cTn id="16" fill="hold">
+                            <p:stCondLst>
+                              <p:cond delay="0"/>
+                            </p:stCondLst>
+                            <p:childTnLst>
                               <p:par>
-                                <p:cTn id="15" presetID="1" presetClass="entr" presetSubtype="0" fill="hold" grpId="0" nodeType="withEffect">
+                                <p:cTn id="17" presetID="1" presetClass="entr" presetSubtype="0" fill="hold" grpId="0" nodeType="clickEffect">
                                   <p:stCondLst>
                                     <p:cond delay="0"/>
                                   </p:stCondLst>
                                   <p:childTnLst>
                                     <p:set>
                                       <p:cBhvr>
-                                        <p:cTn id="16" dur="1" fill="hold">
+                                        <p:cTn id="18" dur="1" fill="hold">
                                           <p:stCondLst>
                                             <p:cond delay="0"/>
                                           </p:stCondLst>
@@ -8786,26 +10202,26 @@
                     </p:cTn>
                   </p:par>
                   <p:par>
-                    <p:cTn id="17" fill="hold">
+                    <p:cTn id="19" fill="hold">
                       <p:stCondLst>
                         <p:cond delay="indefinite"/>
                       </p:stCondLst>
                       <p:childTnLst>
                         <p:par>
-                          <p:cTn id="18" fill="hold">
+                          <p:cTn id="20" fill="hold">
                             <p:stCondLst>
                               <p:cond delay="0"/>
                             </p:stCondLst>
                             <p:childTnLst>
                               <p:par>
-                                <p:cTn id="19" presetID="1" presetClass="entr" presetSubtype="0" fill="hold" grpId="0" nodeType="clickEffect">
+                                <p:cTn id="21" presetID="1" presetClass="entr" presetSubtype="0" fill="hold" grpId="0" nodeType="clickEffect">
                                   <p:stCondLst>
                                     <p:cond delay="0"/>
                                   </p:stCondLst>
                                   <p:childTnLst>
                                     <p:set>
                                       <p:cBhvr>
-                                        <p:cTn id="20" dur="1" fill="hold">
+                                        <p:cTn id="22" dur="1" fill="hold">
                                           <p:stCondLst>
                                             <p:cond delay="0"/>
                                           </p:stCondLst>
@@ -8835,26 +10251,26 @@
                     </p:cTn>
                   </p:par>
                   <p:par>
-                    <p:cTn id="21" fill="hold">
+                    <p:cTn id="23" fill="hold">
                       <p:stCondLst>
                         <p:cond delay="indefinite"/>
                       </p:stCondLst>
                       <p:childTnLst>
                         <p:par>
-                          <p:cTn id="22" fill="hold">
+                          <p:cTn id="24" fill="hold">
                             <p:stCondLst>
                               <p:cond delay="0"/>
                             </p:stCondLst>
                             <p:childTnLst>
                               <p:par>
-                                <p:cTn id="23" presetID="1" presetClass="entr" presetSubtype="0" fill="hold" grpId="0" nodeType="clickEffect">
+                                <p:cTn id="25" presetID="1" presetClass="entr" presetSubtype="0" fill="hold" grpId="0" nodeType="clickEffect">
                                   <p:stCondLst>
                                     <p:cond delay="0"/>
                                   </p:stCondLst>
                                   <p:childTnLst>
                                     <p:set>
                                       <p:cBhvr>
-                                        <p:cTn id="24" dur="1" fill="hold">
+                                        <p:cTn id="26" dur="1" fill="hold">
                                           <p:stCondLst>
                                             <p:cond delay="0"/>
                                           </p:stCondLst>
@@ -8905,7 +10321,7 @@
       </p:par>
     </p:tnLst>
     <p:bldLst>
-      <p:bldP spid="3" grpId="0" build="p"/>
+      <p:bldP spid="3" grpId="0" uiExpand="1" build="p"/>
     </p:bldLst>
   </p:timing>
 </p:sld>
@@ -8975,7 +10391,7 @@
         <p:spPr/>
         <p:txBody>
           <a:bodyPr>
-            <a:normAutofit lnSpcReduction="10000"/>
+            <a:normAutofit fontScale="92500" lnSpcReduction="10000"/>
           </a:bodyPr>
           <a:lstStyle/>
           <a:p>
@@ -9014,6 +10430,12 @@
             <a:r>
               <a:rPr lang="en-US" dirty="0"/>
               <a:t>It’s incredibly easy to catch you cheating once I suspect you</a:t>
+            </a:r>
+          </a:p>
+          <a:p>
+            <a:r>
+              <a:rPr lang="en-US" dirty="0"/>
+              <a:t>Very few messages on Teams asking for extensions</a:t>
             </a:r>
           </a:p>
           <a:p>
@@ -9113,15 +10535,33 @@
                                   </p:childTnLst>
                                 </p:cTn>
                               </p:par>
+                            </p:childTnLst>
+                          </p:cTn>
+                        </p:par>
+                      </p:childTnLst>
+                    </p:cTn>
+                  </p:par>
+                  <p:par>
+                    <p:cTn id="7" fill="hold">
+                      <p:stCondLst>
+                        <p:cond delay="indefinite"/>
+                      </p:stCondLst>
+                      <p:childTnLst>
+                        <p:par>
+                          <p:cTn id="8" fill="hold">
+                            <p:stCondLst>
+                              <p:cond delay="0"/>
+                            </p:stCondLst>
+                            <p:childTnLst>
                               <p:par>
-                                <p:cTn id="7" presetID="1" presetClass="entr" presetSubtype="0" fill="hold" grpId="0" nodeType="withEffect">
+                                <p:cTn id="9" presetID="1" presetClass="entr" presetSubtype="0" fill="hold" grpId="0" nodeType="clickEffect">
                                   <p:stCondLst>
                                     <p:cond delay="0"/>
                                   </p:stCondLst>
                                   <p:childTnLst>
                                     <p:set>
                                       <p:cBhvr>
-                                        <p:cTn id="8" dur="1" fill="hold">
+                                        <p:cTn id="10" dur="1" fill="hold">
                                           <p:stCondLst>
                                             <p:cond delay="0"/>
                                           </p:stCondLst>
@@ -9144,15 +10584,33 @@
                                   </p:childTnLst>
                                 </p:cTn>
                               </p:par>
+                            </p:childTnLst>
+                          </p:cTn>
+                        </p:par>
+                      </p:childTnLst>
+                    </p:cTn>
+                  </p:par>
+                  <p:par>
+                    <p:cTn id="11" fill="hold">
+                      <p:stCondLst>
+                        <p:cond delay="indefinite"/>
+                      </p:stCondLst>
+                      <p:childTnLst>
+                        <p:par>
+                          <p:cTn id="12" fill="hold">
+                            <p:stCondLst>
+                              <p:cond delay="0"/>
+                            </p:stCondLst>
+                            <p:childTnLst>
                               <p:par>
-                                <p:cTn id="9" presetID="1" presetClass="entr" presetSubtype="0" fill="hold" grpId="0" nodeType="withEffect">
+                                <p:cTn id="13" presetID="1" presetClass="entr" presetSubtype="0" fill="hold" grpId="0" nodeType="clickEffect">
                                   <p:stCondLst>
                                     <p:cond delay="0"/>
                                   </p:stCondLst>
                                   <p:childTnLst>
                                     <p:set>
                                       <p:cBhvr>
-                                        <p:cTn id="10" dur="1" fill="hold">
+                                        <p:cTn id="14" dur="1" fill="hold">
                                           <p:stCondLst>
                                             <p:cond delay="0"/>
                                           </p:stCondLst>
@@ -9175,15 +10633,33 @@
                                   </p:childTnLst>
                                 </p:cTn>
                               </p:par>
+                            </p:childTnLst>
+                          </p:cTn>
+                        </p:par>
+                      </p:childTnLst>
+                    </p:cTn>
+                  </p:par>
+                  <p:par>
+                    <p:cTn id="15" fill="hold">
+                      <p:stCondLst>
+                        <p:cond delay="indefinite"/>
+                      </p:stCondLst>
+                      <p:childTnLst>
+                        <p:par>
+                          <p:cTn id="16" fill="hold">
+                            <p:stCondLst>
+                              <p:cond delay="0"/>
+                            </p:stCondLst>
+                            <p:childTnLst>
                               <p:par>
-                                <p:cTn id="11" presetID="1" presetClass="entr" presetSubtype="0" fill="hold" grpId="0" nodeType="withEffect">
+                                <p:cTn id="17" presetID="1" presetClass="entr" presetSubtype="0" fill="hold" grpId="0" nodeType="clickEffect">
                                   <p:stCondLst>
                                     <p:cond delay="0"/>
                                   </p:stCondLst>
                                   <p:childTnLst>
                                     <p:set>
                                       <p:cBhvr>
-                                        <p:cTn id="12" dur="1" fill="hold">
+                                        <p:cTn id="18" dur="1" fill="hold">
                                           <p:stCondLst>
                                             <p:cond delay="0"/>
                                           </p:stCondLst>
@@ -9213,26 +10689,26 @@
                     </p:cTn>
                   </p:par>
                   <p:par>
-                    <p:cTn id="13" fill="hold">
+                    <p:cTn id="19" fill="hold">
                       <p:stCondLst>
                         <p:cond delay="indefinite"/>
                       </p:stCondLst>
                       <p:childTnLst>
                         <p:par>
-                          <p:cTn id="14" fill="hold">
+                          <p:cTn id="20" fill="hold">
                             <p:stCondLst>
                               <p:cond delay="0"/>
                             </p:stCondLst>
                             <p:childTnLst>
                               <p:par>
-                                <p:cTn id="15" presetID="1" presetClass="entr" presetSubtype="0" fill="hold" grpId="0" nodeType="clickEffect">
+                                <p:cTn id="21" presetID="1" presetClass="entr" presetSubtype="0" fill="hold" grpId="0" nodeType="clickEffect">
                                   <p:stCondLst>
                                     <p:cond delay="0"/>
                                   </p:stCondLst>
                                   <p:childTnLst>
                                     <p:set>
                                       <p:cBhvr>
-                                        <p:cTn id="16" dur="1" fill="hold">
+                                        <p:cTn id="22" dur="1" fill="hold">
                                           <p:stCondLst>
                                             <p:cond delay="0"/>
                                           </p:stCondLst>
@@ -9262,26 +10738,26 @@
                     </p:cTn>
                   </p:par>
                   <p:par>
-                    <p:cTn id="17" fill="hold">
+                    <p:cTn id="23" fill="hold">
                       <p:stCondLst>
                         <p:cond delay="indefinite"/>
                       </p:stCondLst>
                       <p:childTnLst>
                         <p:par>
-                          <p:cTn id="18" fill="hold">
+                          <p:cTn id="24" fill="hold">
                             <p:stCondLst>
                               <p:cond delay="0"/>
                             </p:stCondLst>
                             <p:childTnLst>
                               <p:par>
-                                <p:cTn id="19" presetID="1" presetClass="entr" presetSubtype="0" fill="hold" grpId="0" nodeType="clickEffect">
+                                <p:cTn id="25" presetID="1" presetClass="entr" presetSubtype="0" fill="hold" grpId="0" nodeType="clickEffect">
                                   <p:stCondLst>
                                     <p:cond delay="0"/>
                                   </p:stCondLst>
                                   <p:childTnLst>
                                     <p:set>
                                       <p:cBhvr>
-                                        <p:cTn id="20" dur="1" fill="hold">
+                                        <p:cTn id="26" dur="1" fill="hold">
                                           <p:stCondLst>
                                             <p:cond delay="0"/>
                                           </p:stCondLst>
@@ -9304,15 +10780,33 @@
                                   </p:childTnLst>
                                 </p:cTn>
                               </p:par>
+                            </p:childTnLst>
+                          </p:cTn>
+                        </p:par>
+                      </p:childTnLst>
+                    </p:cTn>
+                  </p:par>
+                  <p:par>
+                    <p:cTn id="27" fill="hold">
+                      <p:stCondLst>
+                        <p:cond delay="indefinite"/>
+                      </p:stCondLst>
+                      <p:childTnLst>
+                        <p:par>
+                          <p:cTn id="28" fill="hold">
+                            <p:stCondLst>
+                              <p:cond delay="0"/>
+                            </p:stCondLst>
+                            <p:childTnLst>
                               <p:par>
-                                <p:cTn id="21" presetID="1" presetClass="entr" presetSubtype="0" fill="hold" grpId="0" nodeType="withEffect">
+                                <p:cTn id="29" presetID="1" presetClass="entr" presetSubtype="0" fill="hold" grpId="0" nodeType="clickEffect">
                                   <p:stCondLst>
                                     <p:cond delay="0"/>
                                   </p:stCondLst>
                                   <p:childTnLst>
                                     <p:set>
                                       <p:cBhvr>
-                                        <p:cTn id="22" dur="1" fill="hold">
+                                        <p:cTn id="30" dur="1" fill="hold">
                                           <p:stCondLst>
                                             <p:cond delay="0"/>
                                           </p:stCondLst>
@@ -9335,15 +10829,33 @@
                                   </p:childTnLst>
                                 </p:cTn>
                               </p:par>
+                            </p:childTnLst>
+                          </p:cTn>
+                        </p:par>
+                      </p:childTnLst>
+                    </p:cTn>
+                  </p:par>
+                  <p:par>
+                    <p:cTn id="31" fill="hold">
+                      <p:stCondLst>
+                        <p:cond delay="indefinite"/>
+                      </p:stCondLst>
+                      <p:childTnLst>
+                        <p:par>
+                          <p:cTn id="32" fill="hold">
+                            <p:stCondLst>
+                              <p:cond delay="0"/>
+                            </p:stCondLst>
+                            <p:childTnLst>
                               <p:par>
-                                <p:cTn id="23" presetID="1" presetClass="entr" presetSubtype="0" fill="hold" grpId="0" nodeType="withEffect">
+                                <p:cTn id="33" presetID="1" presetClass="entr" presetSubtype="0" fill="hold" grpId="0" nodeType="clickEffect">
                                   <p:stCondLst>
                                     <p:cond delay="0"/>
                                   </p:stCondLst>
                                   <p:childTnLst>
                                     <p:set>
                                       <p:cBhvr>
-                                        <p:cTn id="24" dur="1" fill="hold">
+                                        <p:cTn id="34" dur="1" fill="hold">
                                           <p:stCondLst>
                                             <p:cond delay="0"/>
                                           </p:stCondLst>
@@ -9366,15 +10878,33 @@
                                   </p:childTnLst>
                                 </p:cTn>
                               </p:par>
+                            </p:childTnLst>
+                          </p:cTn>
+                        </p:par>
+                      </p:childTnLst>
+                    </p:cTn>
+                  </p:par>
+                  <p:par>
+                    <p:cTn id="35" fill="hold">
+                      <p:stCondLst>
+                        <p:cond delay="indefinite"/>
+                      </p:stCondLst>
+                      <p:childTnLst>
+                        <p:par>
+                          <p:cTn id="36" fill="hold">
+                            <p:stCondLst>
+                              <p:cond delay="0"/>
+                            </p:stCondLst>
+                            <p:childTnLst>
                               <p:par>
-                                <p:cTn id="25" presetID="1" presetClass="entr" presetSubtype="0" fill="hold" grpId="0" nodeType="withEffect">
+                                <p:cTn id="37" presetID="1" presetClass="entr" presetSubtype="0" fill="hold" grpId="0" nodeType="clickEffect">
                                   <p:stCondLst>
                                     <p:cond delay="0"/>
                                   </p:stCondLst>
                                   <p:childTnLst>
                                     <p:set>
                                       <p:cBhvr>
-                                        <p:cTn id="26" dur="1" fill="hold">
+                                        <p:cTn id="38" dur="1" fill="hold">
                                           <p:stCondLst>
                                             <p:cond delay="0"/>
                                           </p:stCondLst>
@@ -9397,15 +10927,33 @@
                                   </p:childTnLst>
                                 </p:cTn>
                               </p:par>
+                            </p:childTnLst>
+                          </p:cTn>
+                        </p:par>
+                      </p:childTnLst>
+                    </p:cTn>
+                  </p:par>
+                  <p:par>
+                    <p:cTn id="39" fill="hold">
+                      <p:stCondLst>
+                        <p:cond delay="indefinite"/>
+                      </p:stCondLst>
+                      <p:childTnLst>
+                        <p:par>
+                          <p:cTn id="40" fill="hold">
+                            <p:stCondLst>
+                              <p:cond delay="0"/>
+                            </p:stCondLst>
+                            <p:childTnLst>
                               <p:par>
-                                <p:cTn id="27" presetID="1" presetClass="entr" presetSubtype="0" fill="hold" grpId="0" nodeType="withEffect">
+                                <p:cTn id="41" presetID="1" presetClass="entr" presetSubtype="0" fill="hold" grpId="0" nodeType="clickEffect">
                                   <p:stCondLst>
                                     <p:cond delay="0"/>
                                   </p:stCondLst>
                                   <p:childTnLst>
                                     <p:set>
                                       <p:cBhvr>
-                                        <p:cTn id="28" dur="1" fill="hold">
+                                        <p:cTn id="42" dur="1" fill="hold">
                                           <p:stCondLst>
                                             <p:cond delay="0"/>
                                           </p:stCondLst>
@@ -9414,6 +10962,55 @@
                                           <p:spTgt spid="3">
                                             <p:txEl>
                                               <p:pRg st="9" end="9"/>
+                                            </p:txEl>
+                                          </p:spTgt>
+                                        </p:tgtEl>
+                                        <p:attrNameLst>
+                                          <p:attrName>style.visibility</p:attrName>
+                                        </p:attrNameLst>
+                                      </p:cBhvr>
+                                      <p:to>
+                                        <p:strVal val="visible"/>
+                                      </p:to>
+                                    </p:set>
+                                  </p:childTnLst>
+                                </p:cTn>
+                              </p:par>
+                            </p:childTnLst>
+                          </p:cTn>
+                        </p:par>
+                      </p:childTnLst>
+                    </p:cTn>
+                  </p:par>
+                  <p:par>
+                    <p:cTn id="43" fill="hold">
+                      <p:stCondLst>
+                        <p:cond delay="indefinite"/>
+                      </p:stCondLst>
+                      <p:childTnLst>
+                        <p:par>
+                          <p:cTn id="44" fill="hold">
+                            <p:stCondLst>
+                              <p:cond delay="0"/>
+                            </p:stCondLst>
+                            <p:childTnLst>
+                              <p:par>
+                                <p:cTn id="45" presetID="1" presetClass="entr" presetSubtype="0" fill="hold" grpId="0" nodeType="clickEffect">
+                                  <p:stCondLst>
+                                    <p:cond delay="0"/>
+                                  </p:stCondLst>
+                                  <p:childTnLst>
+                                    <p:set>
+                                      <p:cBhvr>
+                                        <p:cTn id="46" dur="1" fill="hold">
+                                          <p:stCondLst>
+                                            <p:cond delay="0"/>
+                                          </p:stCondLst>
+                                        </p:cTn>
+                                        <p:tgtEl>
+                                          <p:spTgt spid="3">
+                                            <p:txEl>
+                                              <p:pRg st="10" end="10"/>
                                             </p:txEl>
                                           </p:spTgt>
                                         </p:tgtEl>
